--- a/Презентация конференция/Презентация_Диплом_Template_Full.pptx
+++ b/Презентация конференция/Презентация_Диплом_Template_Full.pptx
@@ -8,7 +8,15 @@
     <p:sldId id="256" r:id="rId2"/>
     <p:sldId id="257" r:id="rId3"/>
     <p:sldId id="258" r:id="rId4"/>
-    <p:sldId id="259" r:id="rId5"/>
+    <p:sldId id="260" r:id="rId5"/>
+    <p:sldId id="259" r:id="rId6"/>
+    <p:sldId id="261" r:id="rId7"/>
+    <p:sldId id="262" r:id="rId8"/>
+    <p:sldId id="263" r:id="rId9"/>
+    <p:sldId id="264" r:id="rId10"/>
+    <p:sldId id="265" r:id="rId11"/>
+    <p:sldId id="266" r:id="rId12"/>
+    <p:sldId id="267" r:id="rId13"/>
   </p:sldIdLst>
   <p:sldSz cx="12188825" cy="6858000"/>
   <p:notesSz cx="6858000" cy="9144000"/>
@@ -3462,6 +3470,683 @@
 </p:sld>
 </file>
 
+<file path=ppt/slides/slide10.xml><?xml version="1.0" encoding="utf-8"?>
+<p:sld xmlns:a="http://schemas.openxmlformats.org/drawingml/2006/main" xmlns:r="http://schemas.openxmlformats.org/officeDocument/2006/relationships" xmlns:p="http://schemas.openxmlformats.org/presentationml/2006/main">
+  <p:cSld>
+    <p:spTree>
+      <p:nvGrpSpPr>
+        <p:cNvPr id="1" name=""/>
+        <p:cNvGrpSpPr/>
+        <p:nvPr/>
+      </p:nvGrpSpPr>
+      <p:grpSpPr>
+        <a:xfrm>
+          <a:off x="0" y="0"/>
+          <a:ext cx="0" cy="0"/>
+          <a:chOff x="0" y="0"/>
+          <a:chExt cx="0" cy="0"/>
+        </a:xfrm>
+      </p:grpSpPr>
+      <p:sp>
+        <p:nvSpPr>
+          <p:cNvPr id="2" name="Rectangle 1"/>
+          <p:cNvSpPr/>
+          <p:nvPr/>
+        </p:nvSpPr>
+        <p:spPr>
+          <a:xfrm>
+            <a:off x="0" y="0"/>
+            <a:ext cx="12188952" cy="6858000"/>
+          </a:xfrm>
+          <a:prstGeom prst="rect">
+            <a:avLst/>
+          </a:prstGeom>
+          <a:solidFill>
+            <a:srgbClr val="F2F2F2"/>
+          </a:solidFill>
+          <a:ln>
+            <a:noFill/>
+          </a:ln>
+        </p:spPr>
+        <p:style>
+          <a:lnRef idx="1">
+            <a:schemeClr val="accent1"/>
+          </a:lnRef>
+          <a:fillRef idx="3">
+            <a:schemeClr val="accent1"/>
+          </a:fillRef>
+          <a:effectRef idx="2">
+            <a:schemeClr val="accent1"/>
+          </a:effectRef>
+          <a:fontRef idx="minor">
+            <a:schemeClr val="lt1"/>
+          </a:fontRef>
+        </p:style>
+        <p:txBody>
+          <a:bodyPr rtlCol="0" anchor="ctr"/>
+          <a:lstStyle/>
+          <a:p>
+            <a:pPr algn="ctr"/>
+            <a:endParaRPr dirty="0"/>
+          </a:p>
+        </p:txBody>
+      </p:sp>
+      <p:sp>
+        <p:nvSpPr>
+          <p:cNvPr id="3" name="TextBox 2"/>
+          <p:cNvSpPr txBox="1"/>
+          <p:nvPr/>
+        </p:nvSpPr>
+        <p:spPr>
+          <a:xfrm>
+            <a:off x="4430789" y="72436"/>
+            <a:ext cx="3327258" cy="707886"/>
+          </a:xfrm>
+          <a:prstGeom prst="rect">
+            <a:avLst/>
+          </a:prstGeom>
+          <a:noFill/>
+        </p:spPr>
+        <p:txBody>
+          <a:bodyPr wrap="none">
+            <a:spAutoFit/>
+          </a:bodyPr>
+          <a:lstStyle/>
+          <a:p>
+            <a:pPr algn="ctr">
+              <a:defRPr sz="4000" b="1">
+                <a:solidFill>
+                  <a:srgbClr val="003366"/>
+                </a:solidFill>
+              </a:defRPr>
+            </a:pPr>
+            <a:r>
+              <a:rPr lang="ru-RU" dirty="0"/>
+              <a:t>Визуализация</a:t>
+            </a:r>
+          </a:p>
+        </p:txBody>
+      </p:sp>
+      <p:sp>
+        <p:nvSpPr>
+          <p:cNvPr id="4" name="TextBox 3"/>
+          <p:cNvSpPr txBox="1"/>
+          <p:nvPr/>
+        </p:nvSpPr>
+        <p:spPr>
+          <a:xfrm>
+            <a:off x="640080" y="1554480"/>
+            <a:ext cx="184731" cy="369332"/>
+          </a:xfrm>
+          <a:prstGeom prst="rect">
+            <a:avLst/>
+          </a:prstGeom>
+          <a:noFill/>
+        </p:spPr>
+        <p:txBody>
+          <a:bodyPr wrap="none">
+            <a:spAutoFit/>
+          </a:bodyPr>
+          <a:lstStyle/>
+          <a:p>
+            <a:endParaRPr dirty="0"/>
+          </a:p>
+        </p:txBody>
+      </p:sp>
+      <p:sp>
+        <p:nvSpPr>
+          <p:cNvPr id="33" name="TextBox 32">
+            <a:extLst>
+              <a:ext uri="{FF2B5EF4-FFF2-40B4-BE49-F238E27FC236}">
+                <a16:creationId xmlns:a16="http://schemas.microsoft.com/office/drawing/2014/main" id="{C5DF23D7-2E96-4746-8D5A-5EF69A63B0AB}"/>
+              </a:ext>
+            </a:extLst>
+          </p:cNvPr>
+          <p:cNvSpPr txBox="1"/>
+          <p:nvPr/>
+        </p:nvSpPr>
+        <p:spPr>
+          <a:xfrm>
+            <a:off x="11842020" y="6527075"/>
+            <a:ext cx="418704" cy="369332"/>
+          </a:xfrm>
+          <a:prstGeom prst="rect">
+            <a:avLst/>
+          </a:prstGeom>
+          <a:noFill/>
+        </p:spPr>
+        <p:txBody>
+          <a:bodyPr wrap="none" rtlCol="0">
+            <a:spAutoFit/>
+          </a:bodyPr>
+          <a:lstStyle/>
+          <a:p>
+            <a:r>
+              <a:rPr lang="ru-RU" dirty="0"/>
+              <a:t>10</a:t>
+            </a:r>
+          </a:p>
+        </p:txBody>
+      </p:sp>
+      <p:pic>
+        <p:nvPicPr>
+          <p:cNvPr id="6" name="Рисунок 5">
+            <a:extLst>
+              <a:ext uri="{FF2B5EF4-FFF2-40B4-BE49-F238E27FC236}">
+                <a16:creationId xmlns:a16="http://schemas.microsoft.com/office/drawing/2014/main" id="{0E8F7743-FEAE-401B-9E0A-2B3BFABD3F9F}"/>
+              </a:ext>
+            </a:extLst>
+          </p:cNvPr>
+          <p:cNvPicPr>
+            <a:picLocks noChangeAspect="1"/>
+          </p:cNvPicPr>
+          <p:nvPr/>
+        </p:nvPicPr>
+        <p:blipFill>
+          <a:blip r:embed="rId2"/>
+          <a:stretch>
+            <a:fillRect/>
+          </a:stretch>
+        </p:blipFill>
+        <p:spPr>
+          <a:xfrm>
+            <a:off x="2453172" y="812492"/>
+            <a:ext cx="7282479" cy="5233016"/>
+          </a:xfrm>
+          <a:prstGeom prst="rect">
+            <a:avLst/>
+          </a:prstGeom>
+        </p:spPr>
+      </p:pic>
+    </p:spTree>
+    <p:extLst>
+      <p:ext uri="{BB962C8B-B14F-4D97-AF65-F5344CB8AC3E}">
+        <p14:creationId xmlns:p14="http://schemas.microsoft.com/office/powerpoint/2010/main" val="1488599577"/>
+      </p:ext>
+    </p:extLst>
+  </p:cSld>
+  <p:clrMapOvr>
+    <a:masterClrMapping/>
+  </p:clrMapOvr>
+</p:sld>
+</file>
+
+<file path=ppt/slides/slide11.xml><?xml version="1.0" encoding="utf-8"?>
+<p:sld xmlns:a="http://schemas.openxmlformats.org/drawingml/2006/main" xmlns:r="http://schemas.openxmlformats.org/officeDocument/2006/relationships" xmlns:p="http://schemas.openxmlformats.org/presentationml/2006/main">
+  <p:cSld>
+    <p:spTree>
+      <p:nvGrpSpPr>
+        <p:cNvPr id="1" name=""/>
+        <p:cNvGrpSpPr/>
+        <p:nvPr/>
+      </p:nvGrpSpPr>
+      <p:grpSpPr>
+        <a:xfrm>
+          <a:off x="0" y="0"/>
+          <a:ext cx="0" cy="0"/>
+          <a:chOff x="0" y="0"/>
+          <a:chExt cx="0" cy="0"/>
+        </a:xfrm>
+      </p:grpSpPr>
+      <p:sp>
+        <p:nvSpPr>
+          <p:cNvPr id="2" name="Rectangle 1"/>
+          <p:cNvSpPr/>
+          <p:nvPr/>
+        </p:nvSpPr>
+        <p:spPr>
+          <a:xfrm>
+            <a:off x="0" y="0"/>
+            <a:ext cx="12188952" cy="6858000"/>
+          </a:xfrm>
+          <a:prstGeom prst="rect">
+            <a:avLst/>
+          </a:prstGeom>
+          <a:solidFill>
+            <a:srgbClr val="F2F2F2"/>
+          </a:solidFill>
+          <a:ln>
+            <a:noFill/>
+          </a:ln>
+        </p:spPr>
+        <p:style>
+          <a:lnRef idx="1">
+            <a:schemeClr val="accent1"/>
+          </a:lnRef>
+          <a:fillRef idx="3">
+            <a:schemeClr val="accent1"/>
+          </a:fillRef>
+          <a:effectRef idx="2">
+            <a:schemeClr val="accent1"/>
+          </a:effectRef>
+          <a:fontRef idx="minor">
+            <a:schemeClr val="lt1"/>
+          </a:fontRef>
+        </p:style>
+        <p:txBody>
+          <a:bodyPr rtlCol="0" anchor="ctr"/>
+          <a:lstStyle/>
+          <a:p>
+            <a:pPr algn="ctr"/>
+            <a:endParaRPr dirty="0"/>
+          </a:p>
+        </p:txBody>
+      </p:sp>
+      <p:sp>
+        <p:nvSpPr>
+          <p:cNvPr id="3" name="TextBox 2"/>
+          <p:cNvSpPr txBox="1"/>
+          <p:nvPr/>
+        </p:nvSpPr>
+        <p:spPr>
+          <a:xfrm>
+            <a:off x="4631520" y="72436"/>
+            <a:ext cx="2925801" cy="707886"/>
+          </a:xfrm>
+          <a:prstGeom prst="rect">
+            <a:avLst/>
+          </a:prstGeom>
+          <a:noFill/>
+        </p:spPr>
+        <p:txBody>
+          <a:bodyPr wrap="none">
+            <a:spAutoFit/>
+          </a:bodyPr>
+          <a:lstStyle/>
+          <a:p>
+            <a:pPr algn="ctr">
+              <a:defRPr sz="4000" b="1">
+                <a:solidFill>
+                  <a:srgbClr val="003366"/>
+                </a:solidFill>
+              </a:defRPr>
+            </a:pPr>
+            <a:r>
+              <a:rPr lang="ru-RU" dirty="0"/>
+              <a:t>Заключение</a:t>
+            </a:r>
+          </a:p>
+        </p:txBody>
+      </p:sp>
+      <p:sp>
+        <p:nvSpPr>
+          <p:cNvPr id="4" name="TextBox 3"/>
+          <p:cNvSpPr txBox="1"/>
+          <p:nvPr/>
+        </p:nvSpPr>
+        <p:spPr>
+          <a:xfrm>
+            <a:off x="640080" y="1554480"/>
+            <a:ext cx="184731" cy="369332"/>
+          </a:xfrm>
+          <a:prstGeom prst="rect">
+            <a:avLst/>
+          </a:prstGeom>
+          <a:noFill/>
+        </p:spPr>
+        <p:txBody>
+          <a:bodyPr wrap="none">
+            <a:spAutoFit/>
+          </a:bodyPr>
+          <a:lstStyle/>
+          <a:p>
+            <a:endParaRPr dirty="0"/>
+          </a:p>
+        </p:txBody>
+      </p:sp>
+      <p:sp>
+        <p:nvSpPr>
+          <p:cNvPr id="33" name="TextBox 32">
+            <a:extLst>
+              <a:ext uri="{FF2B5EF4-FFF2-40B4-BE49-F238E27FC236}">
+                <a16:creationId xmlns:a16="http://schemas.microsoft.com/office/drawing/2014/main" id="{C5DF23D7-2E96-4746-8D5A-5EF69A63B0AB}"/>
+              </a:ext>
+            </a:extLst>
+          </p:cNvPr>
+          <p:cNvSpPr txBox="1"/>
+          <p:nvPr/>
+        </p:nvSpPr>
+        <p:spPr>
+          <a:xfrm>
+            <a:off x="11833055" y="6527075"/>
+            <a:ext cx="418704" cy="369332"/>
+          </a:xfrm>
+          <a:prstGeom prst="rect">
+            <a:avLst/>
+          </a:prstGeom>
+          <a:noFill/>
+        </p:spPr>
+        <p:txBody>
+          <a:bodyPr wrap="none" rtlCol="0">
+            <a:spAutoFit/>
+          </a:bodyPr>
+          <a:lstStyle/>
+          <a:p>
+            <a:r>
+              <a:rPr lang="ru-RU" dirty="0"/>
+              <a:t>11</a:t>
+            </a:r>
+          </a:p>
+        </p:txBody>
+      </p:sp>
+      <p:sp>
+        <p:nvSpPr>
+          <p:cNvPr id="7" name="TextBox 6">
+            <a:extLst>
+              <a:ext uri="{FF2B5EF4-FFF2-40B4-BE49-F238E27FC236}">
+                <a16:creationId xmlns:a16="http://schemas.microsoft.com/office/drawing/2014/main" id="{60246507-48B4-47F0-9950-E82ECE08E290}"/>
+              </a:ext>
+            </a:extLst>
+          </p:cNvPr>
+          <p:cNvSpPr txBox="1"/>
+          <p:nvPr/>
+        </p:nvSpPr>
+        <p:spPr>
+          <a:xfrm>
+            <a:off x="640080" y="765586"/>
+            <a:ext cx="4967450" cy="4555093"/>
+          </a:xfrm>
+          <a:prstGeom prst="rect">
+            <a:avLst/>
+          </a:prstGeom>
+          <a:noFill/>
+        </p:spPr>
+        <p:txBody>
+          <a:bodyPr wrap="none">
+            <a:spAutoFit/>
+          </a:bodyPr>
+          <a:lstStyle/>
+          <a:p>
+            <a:endParaRPr dirty="0"/>
+          </a:p>
+          <a:p>
+            <a:pPr>
+              <a:defRPr sz="2400">
+                <a:solidFill>
+                  <a:srgbClr val="323232"/>
+                </a:solidFill>
+              </a:defRPr>
+            </a:pPr>
+            <a:r>
+              <a:rPr lang="ru-RU" sz="4000" dirty="0"/>
+              <a:t>Что уже реализовано</a:t>
+            </a:r>
+            <a:r>
+              <a:rPr lang="en-US" sz="4000" dirty="0"/>
+              <a:t>:</a:t>
+            </a:r>
+            <a:endParaRPr lang="ru-RU" sz="4000" dirty="0"/>
+          </a:p>
+          <a:p>
+            <a:pPr>
+              <a:defRPr sz="2400">
+                <a:solidFill>
+                  <a:srgbClr val="323232"/>
+                </a:solidFill>
+              </a:defRPr>
+            </a:pPr>
+            <a:endParaRPr lang="ru-RU" dirty="0"/>
+          </a:p>
+          <a:p>
+            <a:pPr marL="342900" indent="-342900">
+              <a:buFont typeface="Arial" panose="020B0604020202020204" pitchFamily="34" charset="0"/>
+              <a:buChar char="•"/>
+              <a:defRPr sz="2400">
+                <a:solidFill>
+                  <a:srgbClr val="323232"/>
+                </a:solidFill>
+              </a:defRPr>
+            </a:pPr>
+            <a:r>
+              <a:rPr lang="ru-RU" dirty="0"/>
+              <a:t>База данных готова</a:t>
+            </a:r>
+          </a:p>
+          <a:p>
+            <a:pPr marL="342900" indent="-342900">
+              <a:buFont typeface="Arial" panose="020B0604020202020204" pitchFamily="34" charset="0"/>
+              <a:buChar char="•"/>
+              <a:defRPr sz="2400">
+                <a:solidFill>
+                  <a:srgbClr val="323232"/>
+                </a:solidFill>
+              </a:defRPr>
+            </a:pPr>
+            <a:r>
+              <a:rPr lang="ru-RU" dirty="0"/>
+              <a:t>Интерфейс частично</a:t>
+            </a:r>
+          </a:p>
+          <a:p>
+            <a:pPr marL="342900" indent="-342900">
+              <a:buFont typeface="Arial" panose="020B0604020202020204" pitchFamily="34" charset="0"/>
+              <a:buChar char="•"/>
+              <a:defRPr sz="2400">
+                <a:solidFill>
+                  <a:srgbClr val="323232"/>
+                </a:solidFill>
+              </a:defRPr>
+            </a:pPr>
+            <a:r>
+              <a:rPr lang="ru-RU" dirty="0"/>
+              <a:t>Визуализация</a:t>
+            </a:r>
+            <a:endParaRPr dirty="0"/>
+          </a:p>
+          <a:p>
+            <a:pPr>
+              <a:defRPr sz="2400">
+                <a:solidFill>
+                  <a:srgbClr val="323232"/>
+                </a:solidFill>
+              </a:defRPr>
+            </a:pPr>
+            <a:endParaRPr lang="ru-RU" dirty="0"/>
+          </a:p>
+          <a:p>
+            <a:pPr>
+              <a:defRPr sz="2400">
+                <a:solidFill>
+                  <a:srgbClr val="323232"/>
+                </a:solidFill>
+              </a:defRPr>
+            </a:pPr>
+            <a:r>
+              <a:rPr lang="ru-RU" sz="4000" dirty="0"/>
+              <a:t>Планы:</a:t>
+            </a:r>
+          </a:p>
+          <a:p>
+            <a:pPr>
+              <a:defRPr sz="2400">
+                <a:solidFill>
+                  <a:srgbClr val="323232"/>
+                </a:solidFill>
+              </a:defRPr>
+            </a:pPr>
+            <a:endParaRPr lang="ru-RU" dirty="0"/>
+          </a:p>
+          <a:p>
+            <a:pPr marL="457200" indent="-457200">
+              <a:buFont typeface="Arial" panose="020B0604020202020204" pitchFamily="34" charset="0"/>
+              <a:buChar char="•"/>
+              <a:defRPr sz="2400">
+                <a:solidFill>
+                  <a:srgbClr val="323232"/>
+                </a:solidFill>
+              </a:defRPr>
+            </a:pPr>
+            <a:r>
+              <a:rPr lang="ru-RU" dirty="0"/>
+              <a:t>Финальная интеграция</a:t>
+            </a:r>
+          </a:p>
+          <a:p>
+            <a:pPr marL="457200" indent="-457200">
+              <a:buFont typeface="Arial" panose="020B0604020202020204" pitchFamily="34" charset="0"/>
+              <a:buChar char="•"/>
+              <a:defRPr sz="2400">
+                <a:solidFill>
+                  <a:srgbClr val="323232"/>
+                </a:solidFill>
+              </a:defRPr>
+            </a:pPr>
+            <a:r>
+              <a:rPr lang="ru-RU" dirty="0"/>
+              <a:t>Тестирование</a:t>
+            </a:r>
+          </a:p>
+        </p:txBody>
+      </p:sp>
+    </p:spTree>
+    <p:extLst>
+      <p:ext uri="{BB962C8B-B14F-4D97-AF65-F5344CB8AC3E}">
+        <p14:creationId xmlns:p14="http://schemas.microsoft.com/office/powerpoint/2010/main" val="1897395041"/>
+      </p:ext>
+    </p:extLst>
+  </p:cSld>
+  <p:clrMapOvr>
+    <a:masterClrMapping/>
+  </p:clrMapOvr>
+</p:sld>
+</file>
+
+<file path=ppt/slides/slide12.xml><?xml version="1.0" encoding="utf-8"?>
+<p:sld xmlns:a="http://schemas.openxmlformats.org/drawingml/2006/main" xmlns:r="http://schemas.openxmlformats.org/officeDocument/2006/relationships" xmlns:p="http://schemas.openxmlformats.org/presentationml/2006/main">
+  <p:cSld>
+    <p:spTree>
+      <p:nvGrpSpPr>
+        <p:cNvPr id="1" name=""/>
+        <p:cNvGrpSpPr/>
+        <p:nvPr/>
+      </p:nvGrpSpPr>
+      <p:grpSpPr>
+        <a:xfrm>
+          <a:off x="0" y="0"/>
+          <a:ext cx="0" cy="0"/>
+          <a:chOff x="0" y="0"/>
+          <a:chExt cx="0" cy="0"/>
+        </a:xfrm>
+      </p:grpSpPr>
+      <p:sp>
+        <p:nvSpPr>
+          <p:cNvPr id="2" name="Rectangle 1"/>
+          <p:cNvSpPr/>
+          <p:nvPr/>
+        </p:nvSpPr>
+        <p:spPr>
+          <a:xfrm>
+            <a:off x="0" y="0"/>
+            <a:ext cx="12188952" cy="6858000"/>
+          </a:xfrm>
+          <a:prstGeom prst="rect">
+            <a:avLst/>
+          </a:prstGeom>
+          <a:solidFill>
+            <a:srgbClr val="F2F2F2"/>
+          </a:solidFill>
+          <a:ln>
+            <a:noFill/>
+          </a:ln>
+        </p:spPr>
+        <p:style>
+          <a:lnRef idx="1">
+            <a:schemeClr val="accent1"/>
+          </a:lnRef>
+          <a:fillRef idx="3">
+            <a:schemeClr val="accent1"/>
+          </a:fillRef>
+          <a:effectRef idx="2">
+            <a:schemeClr val="accent1"/>
+          </a:effectRef>
+          <a:fontRef idx="minor">
+            <a:schemeClr val="lt1"/>
+          </a:fontRef>
+        </p:style>
+        <p:txBody>
+          <a:bodyPr rtlCol="0" anchor="ctr"/>
+          <a:lstStyle/>
+          <a:p>
+            <a:pPr algn="ctr"/>
+            <a:endParaRPr dirty="0"/>
+          </a:p>
+        </p:txBody>
+      </p:sp>
+      <p:sp>
+        <p:nvSpPr>
+          <p:cNvPr id="3" name="TextBox 2"/>
+          <p:cNvSpPr txBox="1"/>
+          <p:nvPr/>
+        </p:nvSpPr>
+        <p:spPr>
+          <a:xfrm>
+            <a:off x="3205447" y="3075057"/>
+            <a:ext cx="5777928" cy="707886"/>
+          </a:xfrm>
+          <a:prstGeom prst="rect">
+            <a:avLst/>
+          </a:prstGeom>
+          <a:noFill/>
+        </p:spPr>
+        <p:txBody>
+          <a:bodyPr wrap="none">
+            <a:spAutoFit/>
+          </a:bodyPr>
+          <a:lstStyle/>
+          <a:p>
+            <a:pPr algn="ctr">
+              <a:defRPr sz="4000" b="1">
+                <a:solidFill>
+                  <a:srgbClr val="003366"/>
+                </a:solidFill>
+              </a:defRPr>
+            </a:pPr>
+            <a:r>
+              <a:rPr lang="ru-RU" dirty="0"/>
+              <a:t>Благодарю за внимание</a:t>
+            </a:r>
+          </a:p>
+        </p:txBody>
+      </p:sp>
+      <p:sp>
+        <p:nvSpPr>
+          <p:cNvPr id="4" name="TextBox 3"/>
+          <p:cNvSpPr txBox="1"/>
+          <p:nvPr/>
+        </p:nvSpPr>
+        <p:spPr>
+          <a:xfrm>
+            <a:off x="640080" y="1554480"/>
+            <a:ext cx="184731" cy="369332"/>
+          </a:xfrm>
+          <a:prstGeom prst="rect">
+            <a:avLst/>
+          </a:prstGeom>
+          <a:noFill/>
+        </p:spPr>
+        <p:txBody>
+          <a:bodyPr wrap="none">
+            <a:spAutoFit/>
+          </a:bodyPr>
+          <a:lstStyle/>
+          <a:p>
+            <a:endParaRPr dirty="0"/>
+          </a:p>
+        </p:txBody>
+      </p:sp>
+    </p:spTree>
+    <p:extLst>
+      <p:ext uri="{BB962C8B-B14F-4D97-AF65-F5344CB8AC3E}">
+        <p14:creationId xmlns:p14="http://schemas.microsoft.com/office/powerpoint/2010/main" val="411853458"/>
+      </p:ext>
+    </p:extLst>
+  </p:cSld>
+  <p:clrMapOvr>
+    <a:masterClrMapping/>
+  </p:clrMapOvr>
+</p:sld>
+</file>
+
 <file path=ppt/slides/slide2.xml><?xml version="1.0" encoding="utf-8"?>
 <p:sld xmlns:a="http://schemas.openxmlformats.org/drawingml/2006/main" xmlns:r="http://schemas.openxmlformats.org/officeDocument/2006/relationships" xmlns:p="http://schemas.openxmlformats.org/presentationml/2006/main">
   <p:cSld>
@@ -3531,8 +4216,8 @@
         </p:nvSpPr>
         <p:spPr>
           <a:xfrm>
-            <a:off x="640080" y="457200"/>
-            <a:ext cx="10972800" cy="914400"/>
+            <a:off x="4529729" y="457200"/>
+            <a:ext cx="3193502" cy="707886"/>
           </a:xfrm>
           <a:prstGeom prst="rect">
             <a:avLst/>
@@ -3545,7 +4230,7 @@
           </a:bodyPr>
           <a:lstStyle/>
           <a:p>
-            <a:pPr>
+            <a:pPr algn="ctr">
               <a:defRPr sz="4000" b="1">
                 <a:solidFill>
                   <a:srgbClr val="003366"/>
@@ -3884,7 +4569,7 @@
           <a:lstStyle/>
           <a:p>
             <a:pPr algn="ctr"/>
-            <a:endParaRPr/>
+            <a:endParaRPr lang="ru-RU"/>
           </a:p>
         </p:txBody>
       </p:sp>
@@ -3896,8 +4581,8 @@
         </p:nvSpPr>
         <p:spPr>
           <a:xfrm>
-            <a:off x="640080" y="457200"/>
-            <a:ext cx="10972800" cy="914400"/>
+            <a:off x="3929557" y="131312"/>
+            <a:ext cx="4329710" cy="707886"/>
           </a:xfrm>
           <a:prstGeom prst="rect">
             <a:avLst/>
@@ -3910,7 +4595,7 @@
           </a:bodyPr>
           <a:lstStyle/>
           <a:p>
-            <a:pPr>
+            <a:pPr algn="ctr">
               <a:defRPr sz="4000" b="1">
                 <a:solidFill>
                   <a:srgbClr val="003366"/>
@@ -3918,7 +4603,20 @@
               </a:defRPr>
             </a:pPr>
             <a:r>
-              <a:t>Цель и задачи ВКР</a:t>
+              <a:rPr dirty="0" err="1"/>
+              <a:t>Цель</a:t>
+            </a:r>
+            <a:r>
+              <a:rPr dirty="0"/>
+              <a:t> и </a:t>
+            </a:r>
+            <a:r>
+              <a:rPr dirty="0" err="1"/>
+              <a:t>задачи</a:t>
+            </a:r>
+            <a:r>
+              <a:rPr dirty="0"/>
+              <a:t> ВКР</a:t>
             </a:r>
           </a:p>
         </p:txBody>
@@ -3931,8 +4629,8 @@
         </p:nvSpPr>
         <p:spPr>
           <a:xfrm>
-            <a:off x="640080" y="1554480"/>
-            <a:ext cx="10972800" cy="4572000"/>
+            <a:off x="640080" y="765586"/>
+            <a:ext cx="7253909" cy="5663089"/>
           </a:xfrm>
           <a:prstGeom prst="rect">
             <a:avLst/>
@@ -3945,7 +4643,7 @@
           </a:bodyPr>
           <a:lstStyle/>
           <a:p>
-            <a:endParaRPr/>
+            <a:endParaRPr dirty="0"/>
           </a:p>
           <a:p>
             <a:pPr>
@@ -3956,8 +4654,14 @@
               </a:defRPr>
             </a:pPr>
             <a:r>
-              <a:t>Цель: разработать программный модуль конфигуратора ПК с 3D-визуализацией для цифровых сервисов.</a:t>
-            </a:r>
+              <a:rPr sz="4000" dirty="0" err="1"/>
+              <a:t>Цель</a:t>
+            </a:r>
+            <a:r>
+              <a:rPr sz="4000" dirty="0"/>
+              <a:t>:</a:t>
+            </a:r>
+            <a:endParaRPr lang="ru-RU" sz="4000" dirty="0"/>
           </a:p>
           <a:p>
             <a:pPr>
@@ -3967,9 +4671,7 @@
                 </a:solidFill>
               </a:defRPr>
             </a:pPr>
-            <a:r>
-              <a:t>Задачи:</a:t>
-            </a:r>
+            <a:endParaRPr lang="ru-RU" dirty="0"/>
           </a:p>
           <a:p>
             <a:pPr>
@@ -3980,8 +4682,34 @@
               </a:defRPr>
             </a:pPr>
             <a:r>
-              <a:t>• Проанализировать аналогичные решения.</a:t>
-            </a:r>
+              <a:rPr lang="ru-RU" dirty="0"/>
+              <a:t>Спроектировать и </a:t>
+            </a:r>
+            <a:r>
+              <a:rPr dirty="0" err="1"/>
+              <a:t>разработать</a:t>
+            </a:r>
+            <a:r>
+              <a:rPr dirty="0"/>
+              <a:t> </a:t>
+            </a:r>
+            <a:r>
+              <a:rPr dirty="0" err="1"/>
+              <a:t>программный</a:t>
+            </a:r>
+            <a:r>
+              <a:rPr dirty="0"/>
+              <a:t> </a:t>
+            </a:r>
+            <a:r>
+              <a:rPr dirty="0" err="1"/>
+              <a:t>модуль</a:t>
+            </a:r>
+            <a:r>
+              <a:rPr lang="ru-RU" dirty="0"/>
+              <a:t>.</a:t>
+            </a:r>
+            <a:endParaRPr dirty="0"/>
           </a:p>
           <a:p>
             <a:pPr>
@@ -3991,9 +4719,7 @@
                 </a:solidFill>
               </a:defRPr>
             </a:pPr>
-            <a:r>
-              <a:t>• Разработать архитектуру системы.</a:t>
-            </a:r>
+            <a:endParaRPr lang="ru-RU" dirty="0"/>
           </a:p>
           <a:p>
             <a:pPr>
@@ -4004,7 +4730,8 @@
               </a:defRPr>
             </a:pPr>
             <a:r>
-              <a:t>• Создать базу данных на MS SQL Server.</a:t>
+              <a:rPr lang="ru-RU" sz="4000" dirty="0"/>
+              <a:t>Задачи:</a:t>
             </a:r>
           </a:p>
           <a:p>
@@ -4015,12 +4742,12 @@
                 </a:solidFill>
               </a:defRPr>
             </a:pPr>
-            <a:r>
-              <a:t>• Реализовать UI на WinForms и визуализацию на Unity3D.</a:t>
-            </a:r>
-          </a:p>
-          <a:p>
-            <a:pPr>
+            <a:endParaRPr lang="ru-RU" dirty="0"/>
+          </a:p>
+          <a:p>
+            <a:pPr marL="457200" indent="-457200">
+              <a:buFont typeface="+mj-lt"/>
+              <a:buAutoNum type="arabicPeriod"/>
               <a:defRPr sz="2400">
                 <a:solidFill>
                   <a:srgbClr val="323232"/>
@@ -4028,8 +4755,161 @@
               </a:defRPr>
             </a:pPr>
             <a:r>
-              <a:t>• Провести моделирование бизнес-процессов.</a:t>
-            </a:r>
+              <a:rPr lang="ru-RU" dirty="0"/>
+              <a:t>Анализ существующих решений.</a:t>
+            </a:r>
+          </a:p>
+          <a:p>
+            <a:pPr marL="457200" indent="-457200">
+              <a:buFont typeface="+mj-lt"/>
+              <a:buAutoNum type="arabicPeriod"/>
+              <a:defRPr sz="2400">
+                <a:solidFill>
+                  <a:srgbClr val="323232"/>
+                </a:solidFill>
+              </a:defRPr>
+            </a:pPr>
+            <a:r>
+              <a:rPr lang="ru-RU" dirty="0"/>
+              <a:t>Проектирование архитектуры</a:t>
+            </a:r>
+            <a:r>
+              <a:rPr dirty="0"/>
+              <a:t>.</a:t>
+            </a:r>
+          </a:p>
+          <a:p>
+            <a:pPr marL="457200" indent="-457200">
+              <a:buFont typeface="+mj-lt"/>
+              <a:buAutoNum type="arabicPeriod"/>
+              <a:defRPr sz="2400">
+                <a:solidFill>
+                  <a:srgbClr val="323232"/>
+                </a:solidFill>
+              </a:defRPr>
+            </a:pPr>
+            <a:r>
+              <a:rPr lang="ru-RU" dirty="0"/>
+              <a:t>Создание базы данных</a:t>
+            </a:r>
+            <a:r>
+              <a:rPr dirty="0"/>
+              <a:t>.</a:t>
+            </a:r>
+          </a:p>
+          <a:p>
+            <a:pPr marL="457200" indent="-457200">
+              <a:buFont typeface="+mj-lt"/>
+              <a:buAutoNum type="arabicPeriod"/>
+              <a:defRPr sz="2400">
+                <a:solidFill>
+                  <a:srgbClr val="323232"/>
+                </a:solidFill>
+              </a:defRPr>
+            </a:pPr>
+            <a:r>
+              <a:rPr dirty="0"/>
+              <a:t>Р</a:t>
+            </a:r>
+            <a:r>
+              <a:rPr lang="ru-RU" dirty="0" err="1"/>
+              <a:t>азработка</a:t>
+            </a:r>
+            <a:r>
+              <a:rPr lang="ru-RU" dirty="0"/>
+              <a:t> пользовательского интерфейса</a:t>
+            </a:r>
+            <a:r>
+              <a:rPr dirty="0"/>
+              <a:t>.</a:t>
+            </a:r>
+          </a:p>
+          <a:p>
+            <a:pPr marL="457200" indent="-457200">
+              <a:buFont typeface="+mj-lt"/>
+              <a:buAutoNum type="arabicPeriod"/>
+              <a:defRPr sz="2400">
+                <a:solidFill>
+                  <a:srgbClr val="323232"/>
+                </a:solidFill>
+              </a:defRPr>
+            </a:pPr>
+            <a:r>
+              <a:rPr lang="ru-RU" dirty="0"/>
+              <a:t>Разработка визуализации</a:t>
+            </a:r>
+            <a:r>
+              <a:rPr dirty="0"/>
+              <a:t>.</a:t>
+            </a:r>
+            <a:endParaRPr lang="ru-RU" dirty="0"/>
+          </a:p>
+          <a:p>
+            <a:pPr marL="457200" indent="-457200">
+              <a:buFont typeface="+mj-lt"/>
+              <a:buAutoNum type="arabicPeriod"/>
+              <a:defRPr sz="2400">
+                <a:solidFill>
+                  <a:srgbClr val="323232"/>
+                </a:solidFill>
+              </a:defRPr>
+            </a:pPr>
+            <a:r>
+              <a:rPr lang="ru-RU" dirty="0"/>
+              <a:t>Интеграция сервисов.</a:t>
+            </a:r>
+          </a:p>
+          <a:p>
+            <a:pPr marL="457200" indent="-457200">
+              <a:buFont typeface="+mj-lt"/>
+              <a:buAutoNum type="arabicPeriod"/>
+              <a:defRPr sz="2400">
+                <a:solidFill>
+                  <a:srgbClr val="323232"/>
+                </a:solidFill>
+              </a:defRPr>
+            </a:pPr>
+            <a:r>
+              <a:rPr lang="ru-RU" dirty="0"/>
+              <a:t>Тестирование и отладка.</a:t>
+            </a:r>
+            <a:endParaRPr dirty="0"/>
+          </a:p>
+        </p:txBody>
+      </p:sp>
+      <p:sp>
+        <p:nvSpPr>
+          <p:cNvPr id="7" name="TextBox 6">
+            <a:extLst>
+              <a:ext uri="{FF2B5EF4-FFF2-40B4-BE49-F238E27FC236}">
+                <a16:creationId xmlns:a16="http://schemas.microsoft.com/office/drawing/2014/main" id="{8549ED26-C256-4101-A107-C53DE3384E09}"/>
+              </a:ext>
+            </a:extLst>
+          </p:cNvPr>
+          <p:cNvSpPr txBox="1"/>
+          <p:nvPr/>
+        </p:nvSpPr>
+        <p:spPr>
+          <a:xfrm>
+            <a:off x="11904773" y="6527075"/>
+            <a:ext cx="301686" cy="369332"/>
+          </a:xfrm>
+          <a:prstGeom prst="rect">
+            <a:avLst/>
+          </a:prstGeom>
+          <a:noFill/>
+        </p:spPr>
+        <p:txBody>
+          <a:bodyPr wrap="none" rtlCol="0">
+            <a:spAutoFit/>
+          </a:bodyPr>
+          <a:lstStyle/>
+          <a:p>
+            <a:r>
+              <a:rPr lang="en-US" dirty="0"/>
+              <a:t>3</a:t>
+            </a:r>
+            <a:endParaRPr lang="ru-RU" dirty="0"/>
           </a:p>
         </p:txBody>
       </p:sp>
@@ -4060,7 +4940,13 @@
       </p:grpSpPr>
       <p:sp>
         <p:nvSpPr>
-          <p:cNvPr id="2" name="Rectangle 1"/>
+          <p:cNvPr id="2" name="Rectangle 1">
+            <a:extLst>
+              <a:ext uri="{FF2B5EF4-FFF2-40B4-BE49-F238E27FC236}">
+                <a16:creationId xmlns:a16="http://schemas.microsoft.com/office/drawing/2014/main" id="{32E5FC83-91A7-458E-95B1-57D955C63303}"/>
+              </a:ext>
+            </a:extLst>
+          </p:cNvPr>
           <p:cNvSpPr/>
           <p:nvPr/>
         </p:nvSpPr>
@@ -4102,16 +4988,2026 @@
           </a:p>
         </p:txBody>
       </p:sp>
-      <p:sp>
-        <p:nvSpPr>
-          <p:cNvPr id="3" name="TextBox 2"/>
+      <p:graphicFrame>
+        <p:nvGraphicFramePr>
+          <p:cNvPr id="3" name="Таблица 3">
+            <a:extLst>
+              <a:ext uri="{FF2B5EF4-FFF2-40B4-BE49-F238E27FC236}">
+                <a16:creationId xmlns:a16="http://schemas.microsoft.com/office/drawing/2014/main" id="{4B8DF32B-1609-4D9E-AA34-403216EA0795}"/>
+              </a:ext>
+            </a:extLst>
+          </p:cNvPr>
+          <p:cNvGraphicFramePr>
+            <a:graphicFrameLocks noGrp="1"/>
+          </p:cNvGraphicFramePr>
+          <p:nvPr>
+            <p:extLst>
+              <p:ext uri="{D42A27DB-BD31-4B8C-83A1-F6EECF244321}">
+                <p14:modId xmlns:p14="http://schemas.microsoft.com/office/powerpoint/2010/main" val="3885092388"/>
+              </p:ext>
+            </p:extLst>
+          </p:nvPr>
+        </p:nvGraphicFramePr>
+        <p:xfrm>
+          <a:off x="152399" y="720047"/>
+          <a:ext cx="11896169" cy="6080760"/>
+        </p:xfrm>
+        <a:graphic>
+          <a:graphicData uri="http://schemas.openxmlformats.org/drawingml/2006/table">
+            <a:tbl>
+              <a:tblPr firstRow="1" bandRow="1">
+                <a:tableStyleId>{5C22544A-7EE6-4342-B048-85BDC9FD1C3A}</a:tableStyleId>
+              </a:tblPr>
+              <a:tblGrid>
+                <a:gridCol w="1365586">
+                  <a:extLst>
+                    <a:ext uri="{9D8B030D-6E8A-4147-A177-3AD203B41FA5}">
+                      <a16:colId xmlns:a16="http://schemas.microsoft.com/office/drawing/2014/main" val="3617287965"/>
+                    </a:ext>
+                  </a:extLst>
+                </a:gridCol>
+                <a:gridCol w="797353">
+                  <a:extLst>
+                    <a:ext uri="{9D8B030D-6E8A-4147-A177-3AD203B41FA5}">
+                      <a16:colId xmlns:a16="http://schemas.microsoft.com/office/drawing/2014/main" val="2968560543"/>
+                    </a:ext>
+                  </a:extLst>
+                </a:gridCol>
+                <a:gridCol w="1081470">
+                  <a:extLst>
+                    <a:ext uri="{9D8B030D-6E8A-4147-A177-3AD203B41FA5}">
+                      <a16:colId xmlns:a16="http://schemas.microsoft.com/office/drawing/2014/main" val="890993251"/>
+                    </a:ext>
+                  </a:extLst>
+                </a:gridCol>
+                <a:gridCol w="1081470">
+                  <a:extLst>
+                    <a:ext uri="{9D8B030D-6E8A-4147-A177-3AD203B41FA5}">
+                      <a16:colId xmlns:a16="http://schemas.microsoft.com/office/drawing/2014/main" val="897407319"/>
+                    </a:ext>
+                  </a:extLst>
+                </a:gridCol>
+                <a:gridCol w="1081470">
+                  <a:extLst>
+                    <a:ext uri="{9D8B030D-6E8A-4147-A177-3AD203B41FA5}">
+                      <a16:colId xmlns:a16="http://schemas.microsoft.com/office/drawing/2014/main" val="4277824953"/>
+                    </a:ext>
+                  </a:extLst>
+                </a:gridCol>
+                <a:gridCol w="1081470">
+                  <a:extLst>
+                    <a:ext uri="{9D8B030D-6E8A-4147-A177-3AD203B41FA5}">
+                      <a16:colId xmlns:a16="http://schemas.microsoft.com/office/drawing/2014/main" val="2175359076"/>
+                    </a:ext>
+                  </a:extLst>
+                </a:gridCol>
+                <a:gridCol w="1081470">
+                  <a:extLst>
+                    <a:ext uri="{9D8B030D-6E8A-4147-A177-3AD203B41FA5}">
+                      <a16:colId xmlns:a16="http://schemas.microsoft.com/office/drawing/2014/main" val="3755207148"/>
+                    </a:ext>
+                  </a:extLst>
+                </a:gridCol>
+                <a:gridCol w="1081470">
+                  <a:extLst>
+                    <a:ext uri="{9D8B030D-6E8A-4147-A177-3AD203B41FA5}">
+                      <a16:colId xmlns:a16="http://schemas.microsoft.com/office/drawing/2014/main" val="2850480764"/>
+                    </a:ext>
+                  </a:extLst>
+                </a:gridCol>
+                <a:gridCol w="1081470">
+                  <a:extLst>
+                    <a:ext uri="{9D8B030D-6E8A-4147-A177-3AD203B41FA5}">
+                      <a16:colId xmlns:a16="http://schemas.microsoft.com/office/drawing/2014/main" val="2663738801"/>
+                    </a:ext>
+                  </a:extLst>
+                </a:gridCol>
+                <a:gridCol w="1081470">
+                  <a:extLst>
+                    <a:ext uri="{9D8B030D-6E8A-4147-A177-3AD203B41FA5}">
+                      <a16:colId xmlns:a16="http://schemas.microsoft.com/office/drawing/2014/main" val="2501012242"/>
+                    </a:ext>
+                  </a:extLst>
+                </a:gridCol>
+                <a:gridCol w="1081470">
+                  <a:extLst>
+                    <a:ext uri="{9D8B030D-6E8A-4147-A177-3AD203B41FA5}">
+                      <a16:colId xmlns:a16="http://schemas.microsoft.com/office/drawing/2014/main" val="2425039416"/>
+                    </a:ext>
+                  </a:extLst>
+                </a:gridCol>
+              </a:tblGrid>
+              <a:tr h="1351699">
+                <a:tc>
+                  <a:txBody>
+                    <a:bodyPr/>
+                    <a:lstStyle/>
+                    <a:p>
+                      <a:pPr algn="ctr"/>
+                      <a:r>
+                        <a:rPr lang="ru-RU" dirty="0"/>
+                        <a:t>Сервис</a:t>
+                      </a:r>
+                    </a:p>
+                  </a:txBody>
+                  <a:tcPr/>
+                </a:tc>
+                <a:tc>
+                  <a:txBody>
+                    <a:bodyPr/>
+                    <a:lstStyle/>
+                    <a:p>
+                      <a:pPr algn="ctr"/>
+                      <a:r>
+                        <a:rPr lang="en-US" dirty="0"/>
+                        <a:t>3D</a:t>
+                      </a:r>
+                      <a:r>
+                        <a:rPr lang="ru-RU" dirty="0"/>
+                        <a:t>-визуализация</a:t>
+                      </a:r>
+                    </a:p>
+                  </a:txBody>
+                  <a:tcPr/>
+                </a:tc>
+                <a:tc>
+                  <a:txBody>
+                    <a:bodyPr/>
+                    <a:lstStyle/>
+                    <a:p>
+                      <a:pPr algn="ctr"/>
+                      <a:r>
+                        <a:rPr lang="ru-RU" dirty="0"/>
+                        <a:t>Подбор по совместимости</a:t>
+                      </a:r>
+                    </a:p>
+                  </a:txBody>
+                  <a:tcPr/>
+                </a:tc>
+                <a:tc>
+                  <a:txBody>
+                    <a:bodyPr/>
+                    <a:lstStyle/>
+                    <a:p>
+                      <a:pPr algn="ctr"/>
+                      <a:r>
+                        <a:rPr lang="ru-RU" dirty="0"/>
+                        <a:t>Мобильная версия</a:t>
+                      </a:r>
+                    </a:p>
+                  </a:txBody>
+                  <a:tcPr/>
+                </a:tc>
+                <a:tc>
+                  <a:txBody>
+                    <a:bodyPr/>
+                    <a:lstStyle/>
+                    <a:p>
+                      <a:pPr algn="ctr"/>
+                      <a:r>
+                        <a:rPr lang="ru-RU" dirty="0"/>
+                        <a:t>Интеграция с сервисом</a:t>
+                      </a:r>
+                    </a:p>
+                  </a:txBody>
+                  <a:tcPr/>
+                </a:tc>
+                <a:tc>
+                  <a:txBody>
+                    <a:bodyPr/>
+                    <a:lstStyle/>
+                    <a:p>
+                      <a:pPr algn="ctr"/>
+                      <a:r>
+                        <a:rPr lang="ru-RU" dirty="0"/>
+                        <a:t>Наличие описаний компонентов</a:t>
+                      </a:r>
+                    </a:p>
+                  </a:txBody>
+                  <a:tcPr/>
+                </a:tc>
+                <a:tc>
+                  <a:txBody>
+                    <a:bodyPr/>
+                    <a:lstStyle/>
+                    <a:p>
+                      <a:pPr algn="ctr"/>
+                      <a:r>
+                        <a:rPr lang="ru-RU" dirty="0"/>
+                        <a:t>Отзывы пользователей</a:t>
+                      </a:r>
+                    </a:p>
+                  </a:txBody>
+                  <a:tcPr/>
+                </a:tc>
+                <a:tc>
+                  <a:txBody>
+                    <a:bodyPr/>
+                    <a:lstStyle/>
+                    <a:p>
+                      <a:pPr algn="ctr"/>
+                      <a:r>
+                        <a:rPr lang="ru-RU" dirty="0"/>
+                        <a:t>Локализация (рус. Язык)</a:t>
+                      </a:r>
+                    </a:p>
+                  </a:txBody>
+                  <a:tcPr/>
+                </a:tc>
+                <a:tc>
+                  <a:txBody>
+                    <a:bodyPr/>
+                    <a:lstStyle/>
+                    <a:p>
+                      <a:pPr algn="ctr"/>
+                      <a:r>
+                        <a:rPr lang="ru-RU" dirty="0"/>
+                        <a:t>Уровень кастомизации</a:t>
+                      </a:r>
+                    </a:p>
+                  </a:txBody>
+                  <a:tcPr/>
+                </a:tc>
+                <a:tc>
+                  <a:txBody>
+                    <a:bodyPr/>
+                    <a:lstStyle/>
+                    <a:p>
+                      <a:pPr algn="ctr"/>
+                      <a:r>
+                        <a:rPr lang="ru-RU" dirty="0"/>
+                        <a:t>Преимущества</a:t>
+                      </a:r>
+                    </a:p>
+                  </a:txBody>
+                  <a:tcPr/>
+                </a:tc>
+                <a:tc>
+                  <a:txBody>
+                    <a:bodyPr/>
+                    <a:lstStyle/>
+                    <a:p>
+                      <a:pPr algn="ctr"/>
+                      <a:r>
+                        <a:rPr lang="ru-RU" dirty="0"/>
+                        <a:t>Недостатки</a:t>
+                      </a:r>
+                    </a:p>
+                  </a:txBody>
+                  <a:tcPr/>
+                </a:tc>
+                <a:extLst>
+                  <a:ext uri="{0D108BD9-81ED-4DB2-BD59-A6C34878D82A}">
+                    <a16:rowId xmlns:a16="http://schemas.microsoft.com/office/drawing/2014/main" val="2260960194"/>
+                  </a:ext>
+                </a:extLst>
+              </a:tr>
+              <a:tr h="929293">
+                <a:tc>
+                  <a:txBody>
+                    <a:bodyPr/>
+                    <a:lstStyle/>
+                    <a:p>
+                      <a:r>
+                        <a:rPr lang="en-US" dirty="0"/>
+                        <a:t>DNS</a:t>
+                      </a:r>
+                      <a:endParaRPr lang="ru-RU" dirty="0"/>
+                    </a:p>
+                  </a:txBody>
+                  <a:tcPr/>
+                </a:tc>
+                <a:tc>
+                  <a:txBody>
+                    <a:bodyPr/>
+                    <a:lstStyle/>
+                    <a:p>
+                      <a:pPr marL="0" marR="0" lvl="0" indent="0" algn="ctr" defTabSz="457200" rtl="0" eaLnBrk="1" fontAlgn="auto" latinLnBrk="0" hangingPunct="1">
+                        <a:lnSpc>
+                          <a:spcPct val="100000"/>
+                        </a:lnSpc>
+                        <a:spcBef>
+                          <a:spcPts val="0"/>
+                        </a:spcBef>
+                        <a:spcAft>
+                          <a:spcPts val="0"/>
+                        </a:spcAft>
+                        <a:buClrTx/>
+                        <a:buSzTx/>
+                        <a:buFontTx/>
+                        <a:buNone/>
+                        <a:tabLst/>
+                        <a:defRPr/>
+                      </a:pPr>
+                      <a:r>
+                        <a:rPr lang="en-US" b="0" dirty="0">
+                          <a:solidFill>
+                            <a:srgbClr val="FF0000"/>
+                          </a:solidFill>
+                        </a:rPr>
+                        <a:t>X</a:t>
+                      </a:r>
+                      <a:endParaRPr lang="ru-RU" b="0" dirty="0">
+                        <a:solidFill>
+                          <a:srgbClr val="FF0000"/>
+                        </a:solidFill>
+                      </a:endParaRPr>
+                    </a:p>
+                    <a:p>
+                      <a:pPr algn="ctr"/>
+                      <a:endParaRPr lang="ru-RU" b="0" dirty="0">
+                        <a:solidFill>
+                          <a:srgbClr val="00B050"/>
+                        </a:solidFill>
+                      </a:endParaRPr>
+                    </a:p>
+                  </a:txBody>
+                  <a:tcPr/>
+                </a:tc>
+                <a:tc>
+                  <a:txBody>
+                    <a:bodyPr/>
+                    <a:lstStyle/>
+                    <a:p>
+                      <a:pPr marL="0" marR="0" lvl="0" indent="0" algn="ctr" defTabSz="457200" rtl="0" eaLnBrk="1" fontAlgn="auto" latinLnBrk="0" hangingPunct="1">
+                        <a:lnSpc>
+                          <a:spcPct val="100000"/>
+                        </a:lnSpc>
+                        <a:spcBef>
+                          <a:spcPts val="0"/>
+                        </a:spcBef>
+                        <a:spcAft>
+                          <a:spcPts val="0"/>
+                        </a:spcAft>
+                        <a:buClrTx/>
+                        <a:buSzTx/>
+                        <a:buFontTx/>
+                        <a:buNone/>
+                        <a:tabLst/>
+                        <a:defRPr/>
+                      </a:pPr>
+                      <a:r>
+                        <a:rPr lang="ru-RU" sz="1800" b="0" i="0" kern="1200" dirty="0">
+                          <a:solidFill>
+                            <a:srgbClr val="00B050"/>
+                          </a:solidFill>
+                          <a:effectLst/>
+                          <a:latin typeface="+mn-lt"/>
+                          <a:ea typeface="+mn-ea"/>
+                          <a:cs typeface="+mn-cs"/>
+                        </a:rPr>
+                        <a:t>✓</a:t>
+                      </a:r>
+                      <a:endParaRPr lang="ru-RU" b="0" dirty="0">
+                        <a:solidFill>
+                          <a:srgbClr val="00B050"/>
+                        </a:solidFill>
+                      </a:endParaRPr>
+                    </a:p>
+                    <a:p>
+                      <a:pPr algn="ctr"/>
+                      <a:endParaRPr lang="ru-RU" b="0" dirty="0"/>
+                    </a:p>
+                  </a:txBody>
+                  <a:tcPr/>
+                </a:tc>
+                <a:tc>
+                  <a:txBody>
+                    <a:bodyPr/>
+                    <a:lstStyle/>
+                    <a:p>
+                      <a:pPr marL="0" marR="0" lvl="0" indent="0" algn="ctr" defTabSz="457200" rtl="0" eaLnBrk="1" fontAlgn="auto" latinLnBrk="0" hangingPunct="1">
+                        <a:lnSpc>
+                          <a:spcPct val="100000"/>
+                        </a:lnSpc>
+                        <a:spcBef>
+                          <a:spcPts val="0"/>
+                        </a:spcBef>
+                        <a:spcAft>
+                          <a:spcPts val="0"/>
+                        </a:spcAft>
+                        <a:buClrTx/>
+                        <a:buSzTx/>
+                        <a:buFontTx/>
+                        <a:buNone/>
+                        <a:tabLst/>
+                        <a:defRPr/>
+                      </a:pPr>
+                      <a:r>
+                        <a:rPr lang="ru-RU" sz="1800" b="0" i="0" kern="1200">
+                          <a:solidFill>
+                            <a:srgbClr val="00B050"/>
+                          </a:solidFill>
+                          <a:effectLst/>
+                          <a:latin typeface="+mn-lt"/>
+                          <a:ea typeface="+mn-ea"/>
+                          <a:cs typeface="+mn-cs"/>
+                        </a:rPr>
+                        <a:t>✓</a:t>
+                      </a:r>
+                      <a:endParaRPr lang="ru-RU" b="0">
+                        <a:solidFill>
+                          <a:srgbClr val="00B050"/>
+                        </a:solidFill>
+                      </a:endParaRPr>
+                    </a:p>
+                    <a:p>
+                      <a:pPr algn="ctr"/>
+                      <a:endParaRPr lang="ru-RU" dirty="0"/>
+                    </a:p>
+                  </a:txBody>
+                  <a:tcPr/>
+                </a:tc>
+                <a:tc>
+                  <a:txBody>
+                    <a:bodyPr/>
+                    <a:lstStyle/>
+                    <a:p>
+                      <a:pPr marL="0" marR="0" lvl="0" indent="0" algn="ctr" defTabSz="457200" rtl="0" eaLnBrk="1" fontAlgn="auto" latinLnBrk="0" hangingPunct="1">
+                        <a:lnSpc>
+                          <a:spcPct val="100000"/>
+                        </a:lnSpc>
+                        <a:spcBef>
+                          <a:spcPts val="0"/>
+                        </a:spcBef>
+                        <a:spcAft>
+                          <a:spcPts val="0"/>
+                        </a:spcAft>
+                        <a:buClrTx/>
+                        <a:buSzTx/>
+                        <a:buFontTx/>
+                        <a:buNone/>
+                        <a:tabLst/>
+                        <a:defRPr/>
+                      </a:pPr>
+                      <a:r>
+                        <a:rPr lang="ru-RU" sz="1800" b="0" i="0" kern="1200" dirty="0">
+                          <a:solidFill>
+                            <a:srgbClr val="00B050"/>
+                          </a:solidFill>
+                          <a:effectLst/>
+                          <a:latin typeface="+mn-lt"/>
+                          <a:ea typeface="+mn-ea"/>
+                          <a:cs typeface="+mn-cs"/>
+                        </a:rPr>
+                        <a:t>✓</a:t>
+                      </a:r>
+                      <a:endParaRPr lang="ru-RU" b="0" dirty="0">
+                        <a:solidFill>
+                          <a:srgbClr val="00B050"/>
+                        </a:solidFill>
+                      </a:endParaRPr>
+                    </a:p>
+                    <a:p>
+                      <a:pPr algn="ctr"/>
+                      <a:endParaRPr lang="ru-RU" dirty="0">
+                        <a:solidFill>
+                          <a:srgbClr val="00B050"/>
+                        </a:solidFill>
+                      </a:endParaRPr>
+                    </a:p>
+                  </a:txBody>
+                  <a:tcPr/>
+                </a:tc>
+                <a:tc>
+                  <a:txBody>
+                    <a:bodyPr/>
+                    <a:lstStyle/>
+                    <a:p>
+                      <a:pPr marL="0" marR="0" lvl="0" indent="0" algn="ctr" defTabSz="457200" rtl="0" eaLnBrk="1" fontAlgn="auto" latinLnBrk="0" hangingPunct="1">
+                        <a:lnSpc>
+                          <a:spcPct val="100000"/>
+                        </a:lnSpc>
+                        <a:spcBef>
+                          <a:spcPts val="0"/>
+                        </a:spcBef>
+                        <a:spcAft>
+                          <a:spcPts val="0"/>
+                        </a:spcAft>
+                        <a:buClrTx/>
+                        <a:buSzTx/>
+                        <a:buFontTx/>
+                        <a:buNone/>
+                        <a:tabLst/>
+                        <a:defRPr/>
+                      </a:pPr>
+                      <a:r>
+                        <a:rPr lang="ru-RU" sz="1800" b="0" i="0" kern="1200" dirty="0">
+                          <a:solidFill>
+                            <a:srgbClr val="00B050"/>
+                          </a:solidFill>
+                          <a:effectLst/>
+                          <a:latin typeface="+mn-lt"/>
+                          <a:ea typeface="+mn-ea"/>
+                          <a:cs typeface="+mn-cs"/>
+                        </a:rPr>
+                        <a:t>✓</a:t>
+                      </a:r>
+                      <a:endParaRPr lang="ru-RU" b="0" dirty="0">
+                        <a:solidFill>
+                          <a:srgbClr val="00B050"/>
+                        </a:solidFill>
+                      </a:endParaRPr>
+                    </a:p>
+                    <a:p>
+                      <a:pPr algn="ctr"/>
+                      <a:endParaRPr lang="ru-RU" dirty="0">
+                        <a:solidFill>
+                          <a:srgbClr val="00B050"/>
+                        </a:solidFill>
+                      </a:endParaRPr>
+                    </a:p>
+                  </a:txBody>
+                  <a:tcPr/>
+                </a:tc>
+                <a:tc>
+                  <a:txBody>
+                    <a:bodyPr/>
+                    <a:lstStyle/>
+                    <a:p>
+                      <a:pPr marL="0" marR="0" lvl="0" indent="0" algn="ctr" defTabSz="457200" rtl="0" eaLnBrk="1" fontAlgn="auto" latinLnBrk="0" hangingPunct="1">
+                        <a:lnSpc>
+                          <a:spcPct val="100000"/>
+                        </a:lnSpc>
+                        <a:spcBef>
+                          <a:spcPts val="0"/>
+                        </a:spcBef>
+                        <a:spcAft>
+                          <a:spcPts val="0"/>
+                        </a:spcAft>
+                        <a:buClrTx/>
+                        <a:buSzTx/>
+                        <a:buFontTx/>
+                        <a:buNone/>
+                        <a:tabLst/>
+                        <a:defRPr/>
+                      </a:pPr>
+                      <a:r>
+                        <a:rPr lang="en-US" b="0" dirty="0">
+                          <a:solidFill>
+                            <a:srgbClr val="FF0000"/>
+                          </a:solidFill>
+                        </a:rPr>
+                        <a:t>X</a:t>
+                      </a:r>
+                      <a:endParaRPr lang="ru-RU" b="0" dirty="0">
+                        <a:solidFill>
+                          <a:srgbClr val="FF0000"/>
+                        </a:solidFill>
+                      </a:endParaRPr>
+                    </a:p>
+                    <a:p>
+                      <a:pPr algn="ctr"/>
+                      <a:endParaRPr lang="ru-RU" dirty="0"/>
+                    </a:p>
+                  </a:txBody>
+                  <a:tcPr/>
+                </a:tc>
+                <a:tc>
+                  <a:txBody>
+                    <a:bodyPr/>
+                    <a:lstStyle/>
+                    <a:p>
+                      <a:pPr marL="0" marR="0" lvl="0" indent="0" algn="ctr" defTabSz="457200" rtl="0" eaLnBrk="1" fontAlgn="auto" latinLnBrk="0" hangingPunct="1">
+                        <a:lnSpc>
+                          <a:spcPct val="100000"/>
+                        </a:lnSpc>
+                        <a:spcBef>
+                          <a:spcPts val="0"/>
+                        </a:spcBef>
+                        <a:spcAft>
+                          <a:spcPts val="0"/>
+                        </a:spcAft>
+                        <a:buClrTx/>
+                        <a:buSzTx/>
+                        <a:buFontTx/>
+                        <a:buNone/>
+                        <a:tabLst/>
+                        <a:defRPr/>
+                      </a:pPr>
+                      <a:r>
+                        <a:rPr lang="ru-RU" sz="1800" b="0" i="0" kern="1200" dirty="0">
+                          <a:solidFill>
+                            <a:srgbClr val="00B050"/>
+                          </a:solidFill>
+                          <a:effectLst/>
+                          <a:latin typeface="+mn-lt"/>
+                          <a:ea typeface="+mn-ea"/>
+                          <a:cs typeface="+mn-cs"/>
+                        </a:rPr>
+                        <a:t>✓</a:t>
+                      </a:r>
+                      <a:endParaRPr lang="ru-RU" b="0" dirty="0">
+                        <a:solidFill>
+                          <a:srgbClr val="00B050"/>
+                        </a:solidFill>
+                      </a:endParaRPr>
+                    </a:p>
+                    <a:p>
+                      <a:pPr algn="ctr"/>
+                      <a:endParaRPr lang="ru-RU" dirty="0">
+                        <a:solidFill>
+                          <a:srgbClr val="00B050"/>
+                        </a:solidFill>
+                      </a:endParaRPr>
+                    </a:p>
+                  </a:txBody>
+                  <a:tcPr/>
+                </a:tc>
+                <a:tc>
+                  <a:txBody>
+                    <a:bodyPr/>
+                    <a:lstStyle/>
+                    <a:p>
+                      <a:pPr marL="0" marR="0" lvl="0" indent="0" algn="ctr" defTabSz="457200" rtl="0" eaLnBrk="1" fontAlgn="auto" latinLnBrk="0" hangingPunct="1">
+                        <a:lnSpc>
+                          <a:spcPct val="100000"/>
+                        </a:lnSpc>
+                        <a:spcBef>
+                          <a:spcPts val="0"/>
+                        </a:spcBef>
+                        <a:spcAft>
+                          <a:spcPts val="0"/>
+                        </a:spcAft>
+                        <a:buClrTx/>
+                        <a:buSzTx/>
+                        <a:buFontTx/>
+                        <a:buNone/>
+                        <a:tabLst/>
+                        <a:defRPr/>
+                      </a:pPr>
+                      <a:r>
+                        <a:rPr lang="en-US" b="0" dirty="0">
+                          <a:solidFill>
+                            <a:srgbClr val="FF0000"/>
+                          </a:solidFill>
+                        </a:rPr>
+                        <a:t>X</a:t>
+                      </a:r>
+                      <a:endParaRPr lang="ru-RU" b="0" dirty="0">
+                        <a:solidFill>
+                          <a:srgbClr val="FF0000"/>
+                        </a:solidFill>
+                      </a:endParaRPr>
+                    </a:p>
+                    <a:p>
+                      <a:pPr algn="ctr"/>
+                      <a:endParaRPr lang="ru-RU" dirty="0"/>
+                    </a:p>
+                  </a:txBody>
+                  <a:tcPr/>
+                </a:tc>
+                <a:tc>
+                  <a:txBody>
+                    <a:bodyPr/>
+                    <a:lstStyle/>
+                    <a:p>
+                      <a:pPr algn="ctr"/>
+                      <a:r>
+                        <a:rPr lang="ru-RU" sz="1500" dirty="0"/>
+                        <a:t>Популярность</a:t>
+                      </a:r>
+                    </a:p>
+                  </a:txBody>
+                  <a:tcPr/>
+                </a:tc>
+                <a:tc>
+                  <a:txBody>
+                    <a:bodyPr/>
+                    <a:lstStyle/>
+                    <a:p>
+                      <a:pPr algn="ctr"/>
+                      <a:r>
+                        <a:rPr lang="ru-RU" sz="1500" dirty="0"/>
+                        <a:t>Нет визуализации, нет отзывов</a:t>
+                      </a:r>
+                    </a:p>
+                  </a:txBody>
+                  <a:tcPr/>
+                </a:tc>
+                <a:extLst>
+                  <a:ext uri="{0D108BD9-81ED-4DB2-BD59-A6C34878D82A}">
+                    <a16:rowId xmlns:a16="http://schemas.microsoft.com/office/drawing/2014/main" val="1912083175"/>
+                  </a:ext>
+                </a:extLst>
+              </a:tr>
+              <a:tr h="1267218">
+                <a:tc>
+                  <a:txBody>
+                    <a:bodyPr/>
+                    <a:lstStyle/>
+                    <a:p>
+                      <a:r>
+                        <a:rPr lang="en-US" dirty="0"/>
+                        <a:t>X-</a:t>
+                      </a:r>
+                      <a:r>
+                        <a:rPr lang="en-US" dirty="0" err="1"/>
+                        <a:t>kom</a:t>
+                      </a:r>
+                      <a:endParaRPr lang="ru-RU" dirty="0"/>
+                    </a:p>
+                  </a:txBody>
+                  <a:tcPr/>
+                </a:tc>
+                <a:tc>
+                  <a:txBody>
+                    <a:bodyPr/>
+                    <a:lstStyle/>
+                    <a:p>
+                      <a:pPr marL="0" marR="0" lvl="0" indent="0" algn="ctr" defTabSz="457200" rtl="0" eaLnBrk="1" fontAlgn="auto" latinLnBrk="0" hangingPunct="1">
+                        <a:lnSpc>
+                          <a:spcPct val="100000"/>
+                        </a:lnSpc>
+                        <a:spcBef>
+                          <a:spcPts val="0"/>
+                        </a:spcBef>
+                        <a:spcAft>
+                          <a:spcPts val="0"/>
+                        </a:spcAft>
+                        <a:buClrTx/>
+                        <a:buSzTx/>
+                        <a:buFontTx/>
+                        <a:buNone/>
+                        <a:tabLst/>
+                        <a:defRPr/>
+                      </a:pPr>
+                      <a:r>
+                        <a:rPr lang="en-US" b="0" dirty="0">
+                          <a:solidFill>
+                            <a:srgbClr val="FF0000"/>
+                          </a:solidFill>
+                        </a:rPr>
+                        <a:t>X</a:t>
+                      </a:r>
+                      <a:endParaRPr lang="ru-RU" b="0" dirty="0">
+                        <a:solidFill>
+                          <a:srgbClr val="FF0000"/>
+                        </a:solidFill>
+                      </a:endParaRPr>
+                    </a:p>
+                    <a:p>
+                      <a:pPr algn="ctr"/>
+                      <a:endParaRPr lang="ru-RU" dirty="0"/>
+                    </a:p>
+                  </a:txBody>
+                  <a:tcPr/>
+                </a:tc>
+                <a:tc>
+                  <a:txBody>
+                    <a:bodyPr/>
+                    <a:lstStyle/>
+                    <a:p>
+                      <a:pPr marL="0" marR="0" lvl="0" indent="0" algn="ctr" defTabSz="457200" rtl="0" eaLnBrk="1" fontAlgn="auto" latinLnBrk="0" hangingPunct="1">
+                        <a:lnSpc>
+                          <a:spcPct val="100000"/>
+                        </a:lnSpc>
+                        <a:spcBef>
+                          <a:spcPts val="0"/>
+                        </a:spcBef>
+                        <a:spcAft>
+                          <a:spcPts val="0"/>
+                        </a:spcAft>
+                        <a:buClrTx/>
+                        <a:buSzTx/>
+                        <a:buFontTx/>
+                        <a:buNone/>
+                        <a:tabLst/>
+                        <a:defRPr/>
+                      </a:pPr>
+                      <a:r>
+                        <a:rPr lang="ru-RU" sz="1800" b="0" i="0" kern="1200" dirty="0">
+                          <a:solidFill>
+                            <a:srgbClr val="00B050"/>
+                          </a:solidFill>
+                          <a:effectLst/>
+                          <a:latin typeface="+mn-lt"/>
+                          <a:ea typeface="+mn-ea"/>
+                          <a:cs typeface="+mn-cs"/>
+                        </a:rPr>
+                        <a:t>✓</a:t>
+                      </a:r>
+                      <a:endParaRPr lang="ru-RU" b="0" dirty="0">
+                        <a:solidFill>
+                          <a:srgbClr val="00B050"/>
+                        </a:solidFill>
+                      </a:endParaRPr>
+                    </a:p>
+                    <a:p>
+                      <a:pPr algn="ctr"/>
+                      <a:endParaRPr lang="ru-RU" dirty="0">
+                        <a:solidFill>
+                          <a:srgbClr val="00B050"/>
+                        </a:solidFill>
+                      </a:endParaRPr>
+                    </a:p>
+                  </a:txBody>
+                  <a:tcPr/>
+                </a:tc>
+                <a:tc>
+                  <a:txBody>
+                    <a:bodyPr/>
+                    <a:lstStyle/>
+                    <a:p>
+                      <a:pPr marL="0" marR="0" lvl="0" indent="0" algn="ctr" defTabSz="457200" rtl="0" eaLnBrk="1" fontAlgn="auto" latinLnBrk="0" hangingPunct="1">
+                        <a:lnSpc>
+                          <a:spcPct val="100000"/>
+                        </a:lnSpc>
+                        <a:spcBef>
+                          <a:spcPts val="0"/>
+                        </a:spcBef>
+                        <a:spcAft>
+                          <a:spcPts val="0"/>
+                        </a:spcAft>
+                        <a:buClrTx/>
+                        <a:buSzTx/>
+                        <a:buFontTx/>
+                        <a:buNone/>
+                        <a:tabLst/>
+                        <a:defRPr/>
+                      </a:pPr>
+                      <a:r>
+                        <a:rPr lang="ru-RU" sz="1800" b="0" i="0" kern="1200" dirty="0">
+                          <a:solidFill>
+                            <a:srgbClr val="00B050"/>
+                          </a:solidFill>
+                          <a:effectLst/>
+                          <a:latin typeface="+mn-lt"/>
+                          <a:ea typeface="+mn-ea"/>
+                          <a:cs typeface="+mn-cs"/>
+                        </a:rPr>
+                        <a:t>✓</a:t>
+                      </a:r>
+                      <a:endParaRPr lang="ru-RU" b="0" dirty="0">
+                        <a:solidFill>
+                          <a:srgbClr val="00B050"/>
+                        </a:solidFill>
+                      </a:endParaRPr>
+                    </a:p>
+                    <a:p>
+                      <a:pPr algn="ctr"/>
+                      <a:endParaRPr lang="ru-RU" dirty="0">
+                        <a:solidFill>
+                          <a:srgbClr val="00B050"/>
+                        </a:solidFill>
+                      </a:endParaRPr>
+                    </a:p>
+                  </a:txBody>
+                  <a:tcPr/>
+                </a:tc>
+                <a:tc>
+                  <a:txBody>
+                    <a:bodyPr/>
+                    <a:lstStyle/>
+                    <a:p>
+                      <a:pPr marL="0" marR="0" lvl="0" indent="0" algn="ctr" defTabSz="457200" rtl="0" eaLnBrk="1" fontAlgn="auto" latinLnBrk="0" hangingPunct="1">
+                        <a:lnSpc>
+                          <a:spcPct val="100000"/>
+                        </a:lnSpc>
+                        <a:spcBef>
+                          <a:spcPts val="0"/>
+                        </a:spcBef>
+                        <a:spcAft>
+                          <a:spcPts val="0"/>
+                        </a:spcAft>
+                        <a:buClrTx/>
+                        <a:buSzTx/>
+                        <a:buFontTx/>
+                        <a:buNone/>
+                        <a:tabLst/>
+                        <a:defRPr/>
+                      </a:pPr>
+                      <a:r>
+                        <a:rPr lang="ru-RU" sz="1800" b="0" i="0" kern="1200" dirty="0">
+                          <a:solidFill>
+                            <a:srgbClr val="00B050"/>
+                          </a:solidFill>
+                          <a:effectLst/>
+                          <a:latin typeface="+mn-lt"/>
+                          <a:ea typeface="+mn-ea"/>
+                          <a:cs typeface="+mn-cs"/>
+                        </a:rPr>
+                        <a:t>✓</a:t>
+                      </a:r>
+                      <a:endParaRPr lang="ru-RU" b="0" dirty="0">
+                        <a:solidFill>
+                          <a:srgbClr val="00B050"/>
+                        </a:solidFill>
+                      </a:endParaRPr>
+                    </a:p>
+                    <a:p>
+                      <a:pPr algn="ctr"/>
+                      <a:endParaRPr lang="ru-RU" dirty="0"/>
+                    </a:p>
+                  </a:txBody>
+                  <a:tcPr/>
+                </a:tc>
+                <a:tc>
+                  <a:txBody>
+                    <a:bodyPr/>
+                    <a:lstStyle/>
+                    <a:p>
+                      <a:pPr marL="0" marR="0" lvl="0" indent="0" algn="ctr" defTabSz="457200" rtl="0" eaLnBrk="1" fontAlgn="auto" latinLnBrk="0" hangingPunct="1">
+                        <a:lnSpc>
+                          <a:spcPct val="100000"/>
+                        </a:lnSpc>
+                        <a:spcBef>
+                          <a:spcPts val="0"/>
+                        </a:spcBef>
+                        <a:spcAft>
+                          <a:spcPts val="0"/>
+                        </a:spcAft>
+                        <a:buClrTx/>
+                        <a:buSzTx/>
+                        <a:buFontTx/>
+                        <a:buNone/>
+                        <a:tabLst/>
+                        <a:defRPr/>
+                      </a:pPr>
+                      <a:r>
+                        <a:rPr lang="ru-RU" sz="1800" b="0" i="0" kern="1200" dirty="0">
+                          <a:solidFill>
+                            <a:srgbClr val="00B050"/>
+                          </a:solidFill>
+                          <a:effectLst/>
+                          <a:latin typeface="+mn-lt"/>
+                          <a:ea typeface="+mn-ea"/>
+                          <a:cs typeface="+mn-cs"/>
+                        </a:rPr>
+                        <a:t>✓</a:t>
+                      </a:r>
+                      <a:endParaRPr lang="ru-RU" b="0" dirty="0">
+                        <a:solidFill>
+                          <a:srgbClr val="00B050"/>
+                        </a:solidFill>
+                      </a:endParaRPr>
+                    </a:p>
+                    <a:p>
+                      <a:pPr algn="ctr"/>
+                      <a:endParaRPr lang="ru-RU" dirty="0">
+                        <a:solidFill>
+                          <a:srgbClr val="00B050"/>
+                        </a:solidFill>
+                      </a:endParaRPr>
+                    </a:p>
+                  </a:txBody>
+                  <a:tcPr/>
+                </a:tc>
+                <a:tc>
+                  <a:txBody>
+                    <a:bodyPr/>
+                    <a:lstStyle/>
+                    <a:p>
+                      <a:pPr marL="0" marR="0" lvl="0" indent="0" algn="ctr" defTabSz="457200" rtl="0" eaLnBrk="1" fontAlgn="auto" latinLnBrk="0" hangingPunct="1">
+                        <a:lnSpc>
+                          <a:spcPct val="100000"/>
+                        </a:lnSpc>
+                        <a:spcBef>
+                          <a:spcPts val="0"/>
+                        </a:spcBef>
+                        <a:spcAft>
+                          <a:spcPts val="0"/>
+                        </a:spcAft>
+                        <a:buClrTx/>
+                        <a:buSzTx/>
+                        <a:buFontTx/>
+                        <a:buNone/>
+                        <a:tabLst/>
+                        <a:defRPr/>
+                      </a:pPr>
+                      <a:r>
+                        <a:rPr lang="ru-RU" sz="1800" b="0" i="0" kern="1200" dirty="0">
+                          <a:solidFill>
+                            <a:srgbClr val="00B050"/>
+                          </a:solidFill>
+                          <a:effectLst/>
+                          <a:latin typeface="+mn-lt"/>
+                          <a:ea typeface="+mn-ea"/>
+                          <a:cs typeface="+mn-cs"/>
+                        </a:rPr>
+                        <a:t>✓</a:t>
+                      </a:r>
+                      <a:endParaRPr lang="ru-RU" b="0" dirty="0">
+                        <a:solidFill>
+                          <a:srgbClr val="00B050"/>
+                        </a:solidFill>
+                      </a:endParaRPr>
+                    </a:p>
+                    <a:p>
+                      <a:pPr algn="ctr"/>
+                      <a:endParaRPr lang="ru-RU" dirty="0">
+                        <a:solidFill>
+                          <a:srgbClr val="00B050"/>
+                        </a:solidFill>
+                      </a:endParaRPr>
+                    </a:p>
+                  </a:txBody>
+                  <a:tcPr/>
+                </a:tc>
+                <a:tc>
+                  <a:txBody>
+                    <a:bodyPr/>
+                    <a:lstStyle/>
+                    <a:p>
+                      <a:pPr marL="0" marR="0" lvl="0" indent="0" algn="ctr" defTabSz="457200" rtl="0" eaLnBrk="1" fontAlgn="auto" latinLnBrk="0" hangingPunct="1">
+                        <a:lnSpc>
+                          <a:spcPct val="100000"/>
+                        </a:lnSpc>
+                        <a:spcBef>
+                          <a:spcPts val="0"/>
+                        </a:spcBef>
+                        <a:spcAft>
+                          <a:spcPts val="0"/>
+                        </a:spcAft>
+                        <a:buClrTx/>
+                        <a:buSzTx/>
+                        <a:buFontTx/>
+                        <a:buNone/>
+                        <a:tabLst/>
+                        <a:defRPr/>
+                      </a:pPr>
+                      <a:r>
+                        <a:rPr lang="en-US" b="0" dirty="0">
+                          <a:solidFill>
+                            <a:srgbClr val="FF0000"/>
+                          </a:solidFill>
+                        </a:rPr>
+                        <a:t>X</a:t>
+                      </a:r>
+                      <a:endParaRPr lang="ru-RU" b="0" dirty="0">
+                        <a:solidFill>
+                          <a:srgbClr val="FF0000"/>
+                        </a:solidFill>
+                      </a:endParaRPr>
+                    </a:p>
+                    <a:p>
+                      <a:pPr algn="ctr"/>
+                      <a:endParaRPr lang="ru-RU" dirty="0">
+                        <a:solidFill>
+                          <a:srgbClr val="FF0000"/>
+                        </a:solidFill>
+                      </a:endParaRPr>
+                    </a:p>
+                  </a:txBody>
+                  <a:tcPr/>
+                </a:tc>
+                <a:tc>
+                  <a:txBody>
+                    <a:bodyPr/>
+                    <a:lstStyle/>
+                    <a:p>
+                      <a:pPr marL="0" marR="0" lvl="0" indent="0" algn="ctr" defTabSz="457200" rtl="0" eaLnBrk="1" fontAlgn="auto" latinLnBrk="0" hangingPunct="1">
+                        <a:lnSpc>
+                          <a:spcPct val="100000"/>
+                        </a:lnSpc>
+                        <a:spcBef>
+                          <a:spcPts val="0"/>
+                        </a:spcBef>
+                        <a:spcAft>
+                          <a:spcPts val="0"/>
+                        </a:spcAft>
+                        <a:buClrTx/>
+                        <a:buSzTx/>
+                        <a:buFontTx/>
+                        <a:buNone/>
+                        <a:tabLst/>
+                        <a:defRPr/>
+                      </a:pPr>
+                      <a:r>
+                        <a:rPr lang="en-US" b="0" dirty="0">
+                          <a:solidFill>
+                            <a:srgbClr val="FF0000"/>
+                          </a:solidFill>
+                        </a:rPr>
+                        <a:t>X</a:t>
+                      </a:r>
+                      <a:endParaRPr lang="ru-RU" b="0" dirty="0">
+                        <a:solidFill>
+                          <a:srgbClr val="FF0000"/>
+                        </a:solidFill>
+                      </a:endParaRPr>
+                    </a:p>
+                    <a:p>
+                      <a:pPr algn="ctr"/>
+                      <a:endParaRPr lang="ru-RU" dirty="0">
+                        <a:solidFill>
+                          <a:srgbClr val="FF0000"/>
+                        </a:solidFill>
+                      </a:endParaRPr>
+                    </a:p>
+                  </a:txBody>
+                  <a:tcPr/>
+                </a:tc>
+                <a:tc>
+                  <a:txBody>
+                    <a:bodyPr/>
+                    <a:lstStyle/>
+                    <a:p>
+                      <a:pPr algn="ctr"/>
+                      <a:r>
+                        <a:rPr lang="ru-RU" sz="1500" dirty="0"/>
+                        <a:t>Фильтры</a:t>
+                      </a:r>
+                    </a:p>
+                  </a:txBody>
+                  <a:tcPr/>
+                </a:tc>
+                <a:tc>
+                  <a:txBody>
+                    <a:bodyPr/>
+                    <a:lstStyle/>
+                    <a:p>
+                      <a:pPr algn="ctr"/>
+                      <a:r>
+                        <a:rPr lang="ru-RU" sz="1400" dirty="0"/>
+                        <a:t>Интерфейс не на русском, нет</a:t>
+                      </a:r>
+                      <a:r>
+                        <a:rPr lang="en-US" sz="1400" dirty="0"/>
+                        <a:t> </a:t>
+                      </a:r>
+                      <a:r>
+                        <a:rPr lang="ru-RU" sz="1400" dirty="0"/>
+                        <a:t>визуализации</a:t>
+                      </a:r>
+                    </a:p>
+                  </a:txBody>
+                  <a:tcPr/>
+                </a:tc>
+                <a:extLst>
+                  <a:ext uri="{0D108BD9-81ED-4DB2-BD59-A6C34878D82A}">
+                    <a16:rowId xmlns:a16="http://schemas.microsoft.com/office/drawing/2014/main" val="950793992"/>
+                  </a:ext>
+                </a:extLst>
+              </a:tr>
+              <a:tr h="929293">
+                <a:tc>
+                  <a:txBody>
+                    <a:bodyPr/>
+                    <a:lstStyle/>
+                    <a:p>
+                      <a:r>
+                        <a:rPr lang="en-US" dirty="0" err="1"/>
+                        <a:t>PCPartPicker</a:t>
+                      </a:r>
+                      <a:endParaRPr lang="ru-RU" dirty="0"/>
+                    </a:p>
+                  </a:txBody>
+                  <a:tcPr/>
+                </a:tc>
+                <a:tc>
+                  <a:txBody>
+                    <a:bodyPr/>
+                    <a:lstStyle/>
+                    <a:p>
+                      <a:pPr marL="0" marR="0" lvl="0" indent="0" algn="ctr" defTabSz="457200" rtl="0" eaLnBrk="1" fontAlgn="auto" latinLnBrk="0" hangingPunct="1">
+                        <a:lnSpc>
+                          <a:spcPct val="100000"/>
+                        </a:lnSpc>
+                        <a:spcBef>
+                          <a:spcPts val="0"/>
+                        </a:spcBef>
+                        <a:spcAft>
+                          <a:spcPts val="0"/>
+                        </a:spcAft>
+                        <a:buClrTx/>
+                        <a:buSzTx/>
+                        <a:buFontTx/>
+                        <a:buNone/>
+                        <a:tabLst/>
+                        <a:defRPr/>
+                      </a:pPr>
+                      <a:r>
+                        <a:rPr lang="en-US" b="0" dirty="0">
+                          <a:solidFill>
+                            <a:srgbClr val="FF0000"/>
+                          </a:solidFill>
+                        </a:rPr>
+                        <a:t>X</a:t>
+                      </a:r>
+                      <a:endParaRPr lang="ru-RU" b="0" dirty="0">
+                        <a:solidFill>
+                          <a:srgbClr val="FF0000"/>
+                        </a:solidFill>
+                      </a:endParaRPr>
+                    </a:p>
+                    <a:p>
+                      <a:pPr algn="ctr"/>
+                      <a:endParaRPr lang="ru-RU" dirty="0"/>
+                    </a:p>
+                  </a:txBody>
+                  <a:tcPr/>
+                </a:tc>
+                <a:tc>
+                  <a:txBody>
+                    <a:bodyPr/>
+                    <a:lstStyle/>
+                    <a:p>
+                      <a:pPr marL="0" marR="0" lvl="0" indent="0" algn="ctr" defTabSz="457200" rtl="0" eaLnBrk="1" fontAlgn="auto" latinLnBrk="0" hangingPunct="1">
+                        <a:lnSpc>
+                          <a:spcPct val="100000"/>
+                        </a:lnSpc>
+                        <a:spcBef>
+                          <a:spcPts val="0"/>
+                        </a:spcBef>
+                        <a:spcAft>
+                          <a:spcPts val="0"/>
+                        </a:spcAft>
+                        <a:buClrTx/>
+                        <a:buSzTx/>
+                        <a:buFontTx/>
+                        <a:buNone/>
+                        <a:tabLst/>
+                        <a:defRPr/>
+                      </a:pPr>
+                      <a:r>
+                        <a:rPr lang="ru-RU" sz="1800" b="0" i="0" kern="1200" dirty="0">
+                          <a:solidFill>
+                            <a:srgbClr val="00B050"/>
+                          </a:solidFill>
+                          <a:effectLst/>
+                          <a:latin typeface="+mn-lt"/>
+                          <a:ea typeface="+mn-ea"/>
+                          <a:cs typeface="+mn-cs"/>
+                        </a:rPr>
+                        <a:t>✓</a:t>
+                      </a:r>
+                      <a:endParaRPr lang="ru-RU" b="0" dirty="0">
+                        <a:solidFill>
+                          <a:srgbClr val="00B050"/>
+                        </a:solidFill>
+                      </a:endParaRPr>
+                    </a:p>
+                    <a:p>
+                      <a:pPr algn="ctr"/>
+                      <a:endParaRPr lang="ru-RU" dirty="0">
+                        <a:solidFill>
+                          <a:srgbClr val="00B050"/>
+                        </a:solidFill>
+                      </a:endParaRPr>
+                    </a:p>
+                  </a:txBody>
+                  <a:tcPr/>
+                </a:tc>
+                <a:tc>
+                  <a:txBody>
+                    <a:bodyPr/>
+                    <a:lstStyle/>
+                    <a:p>
+                      <a:pPr marL="0" marR="0" lvl="0" indent="0" algn="ctr" defTabSz="457200" rtl="0" eaLnBrk="1" fontAlgn="auto" latinLnBrk="0" hangingPunct="1">
+                        <a:lnSpc>
+                          <a:spcPct val="100000"/>
+                        </a:lnSpc>
+                        <a:spcBef>
+                          <a:spcPts val="0"/>
+                        </a:spcBef>
+                        <a:spcAft>
+                          <a:spcPts val="0"/>
+                        </a:spcAft>
+                        <a:buClrTx/>
+                        <a:buSzTx/>
+                        <a:buFontTx/>
+                        <a:buNone/>
+                        <a:tabLst/>
+                        <a:defRPr/>
+                      </a:pPr>
+                      <a:r>
+                        <a:rPr lang="ru-RU" sz="1800" b="0" i="0" kern="1200" dirty="0">
+                          <a:solidFill>
+                            <a:srgbClr val="00B050"/>
+                          </a:solidFill>
+                          <a:effectLst/>
+                          <a:latin typeface="+mn-lt"/>
+                          <a:ea typeface="+mn-ea"/>
+                          <a:cs typeface="+mn-cs"/>
+                        </a:rPr>
+                        <a:t>✓</a:t>
+                      </a:r>
+                      <a:endParaRPr lang="ru-RU" b="0" dirty="0">
+                        <a:solidFill>
+                          <a:srgbClr val="00B050"/>
+                        </a:solidFill>
+                      </a:endParaRPr>
+                    </a:p>
+                    <a:p>
+                      <a:pPr algn="ctr"/>
+                      <a:endParaRPr lang="ru-RU" dirty="0">
+                        <a:solidFill>
+                          <a:srgbClr val="00B050"/>
+                        </a:solidFill>
+                      </a:endParaRPr>
+                    </a:p>
+                  </a:txBody>
+                  <a:tcPr/>
+                </a:tc>
+                <a:tc>
+                  <a:txBody>
+                    <a:bodyPr/>
+                    <a:lstStyle/>
+                    <a:p>
+                      <a:pPr marL="0" marR="0" lvl="0" indent="0" algn="ctr" defTabSz="457200" rtl="0" eaLnBrk="1" fontAlgn="auto" latinLnBrk="0" hangingPunct="1">
+                        <a:lnSpc>
+                          <a:spcPct val="100000"/>
+                        </a:lnSpc>
+                        <a:spcBef>
+                          <a:spcPts val="0"/>
+                        </a:spcBef>
+                        <a:spcAft>
+                          <a:spcPts val="0"/>
+                        </a:spcAft>
+                        <a:buClrTx/>
+                        <a:buSzTx/>
+                        <a:buFontTx/>
+                        <a:buNone/>
+                        <a:tabLst/>
+                        <a:defRPr/>
+                      </a:pPr>
+                      <a:r>
+                        <a:rPr lang="en-US" b="0" dirty="0">
+                          <a:solidFill>
+                            <a:srgbClr val="FF0000"/>
+                          </a:solidFill>
+                        </a:rPr>
+                        <a:t>X</a:t>
+                      </a:r>
+                      <a:endParaRPr lang="ru-RU" b="0" dirty="0">
+                        <a:solidFill>
+                          <a:srgbClr val="FF0000"/>
+                        </a:solidFill>
+                      </a:endParaRPr>
+                    </a:p>
+                    <a:p>
+                      <a:pPr algn="ctr"/>
+                      <a:endParaRPr lang="ru-RU" dirty="0"/>
+                    </a:p>
+                  </a:txBody>
+                  <a:tcPr/>
+                </a:tc>
+                <a:tc>
+                  <a:txBody>
+                    <a:bodyPr/>
+                    <a:lstStyle/>
+                    <a:p>
+                      <a:pPr marL="0" marR="0" lvl="0" indent="0" algn="ctr" defTabSz="457200" rtl="0" eaLnBrk="1" fontAlgn="auto" latinLnBrk="0" hangingPunct="1">
+                        <a:lnSpc>
+                          <a:spcPct val="100000"/>
+                        </a:lnSpc>
+                        <a:spcBef>
+                          <a:spcPts val="0"/>
+                        </a:spcBef>
+                        <a:spcAft>
+                          <a:spcPts val="0"/>
+                        </a:spcAft>
+                        <a:buClrTx/>
+                        <a:buSzTx/>
+                        <a:buFontTx/>
+                        <a:buNone/>
+                        <a:tabLst/>
+                        <a:defRPr/>
+                      </a:pPr>
+                      <a:r>
+                        <a:rPr lang="ru-RU" sz="1800" b="0" i="0" kern="1200" dirty="0">
+                          <a:solidFill>
+                            <a:srgbClr val="00B050"/>
+                          </a:solidFill>
+                          <a:effectLst/>
+                          <a:latin typeface="+mn-lt"/>
+                          <a:ea typeface="+mn-ea"/>
+                          <a:cs typeface="+mn-cs"/>
+                        </a:rPr>
+                        <a:t>✓</a:t>
+                      </a:r>
+                      <a:endParaRPr lang="ru-RU" b="0" dirty="0">
+                        <a:solidFill>
+                          <a:srgbClr val="00B050"/>
+                        </a:solidFill>
+                      </a:endParaRPr>
+                    </a:p>
+                    <a:p>
+                      <a:pPr algn="ctr"/>
+                      <a:endParaRPr lang="ru-RU" dirty="0">
+                        <a:solidFill>
+                          <a:srgbClr val="00B050"/>
+                        </a:solidFill>
+                      </a:endParaRPr>
+                    </a:p>
+                  </a:txBody>
+                  <a:tcPr/>
+                </a:tc>
+                <a:tc>
+                  <a:txBody>
+                    <a:bodyPr/>
+                    <a:lstStyle/>
+                    <a:p>
+                      <a:pPr marL="0" marR="0" lvl="0" indent="0" algn="ctr" defTabSz="457200" rtl="0" eaLnBrk="1" fontAlgn="auto" latinLnBrk="0" hangingPunct="1">
+                        <a:lnSpc>
+                          <a:spcPct val="100000"/>
+                        </a:lnSpc>
+                        <a:spcBef>
+                          <a:spcPts val="0"/>
+                        </a:spcBef>
+                        <a:spcAft>
+                          <a:spcPts val="0"/>
+                        </a:spcAft>
+                        <a:buClrTx/>
+                        <a:buSzTx/>
+                        <a:buFontTx/>
+                        <a:buNone/>
+                        <a:tabLst/>
+                        <a:defRPr/>
+                      </a:pPr>
+                      <a:r>
+                        <a:rPr lang="ru-RU" sz="1800" b="0" i="0" kern="1200" dirty="0">
+                          <a:solidFill>
+                            <a:srgbClr val="00B050"/>
+                          </a:solidFill>
+                          <a:effectLst/>
+                          <a:latin typeface="+mn-lt"/>
+                          <a:ea typeface="+mn-ea"/>
+                          <a:cs typeface="+mn-cs"/>
+                        </a:rPr>
+                        <a:t>✓</a:t>
+                      </a:r>
+                      <a:endParaRPr lang="ru-RU" b="0" dirty="0">
+                        <a:solidFill>
+                          <a:srgbClr val="00B050"/>
+                        </a:solidFill>
+                      </a:endParaRPr>
+                    </a:p>
+                    <a:p>
+                      <a:pPr algn="ctr"/>
+                      <a:endParaRPr lang="ru-RU" dirty="0">
+                        <a:solidFill>
+                          <a:srgbClr val="00B050"/>
+                        </a:solidFill>
+                      </a:endParaRPr>
+                    </a:p>
+                  </a:txBody>
+                  <a:tcPr/>
+                </a:tc>
+                <a:tc>
+                  <a:txBody>
+                    <a:bodyPr/>
+                    <a:lstStyle/>
+                    <a:p>
+                      <a:pPr marL="0" marR="0" lvl="0" indent="0" algn="ctr" defTabSz="457200" rtl="0" eaLnBrk="1" fontAlgn="auto" latinLnBrk="0" hangingPunct="1">
+                        <a:lnSpc>
+                          <a:spcPct val="100000"/>
+                        </a:lnSpc>
+                        <a:spcBef>
+                          <a:spcPts val="0"/>
+                        </a:spcBef>
+                        <a:spcAft>
+                          <a:spcPts val="0"/>
+                        </a:spcAft>
+                        <a:buClrTx/>
+                        <a:buSzTx/>
+                        <a:buFontTx/>
+                        <a:buNone/>
+                        <a:tabLst/>
+                        <a:defRPr/>
+                      </a:pPr>
+                      <a:r>
+                        <a:rPr lang="en-US" b="0" dirty="0">
+                          <a:solidFill>
+                            <a:srgbClr val="FF0000"/>
+                          </a:solidFill>
+                        </a:rPr>
+                        <a:t>X</a:t>
+                      </a:r>
+                      <a:endParaRPr lang="ru-RU" b="0" dirty="0">
+                        <a:solidFill>
+                          <a:srgbClr val="FF0000"/>
+                        </a:solidFill>
+                      </a:endParaRPr>
+                    </a:p>
+                    <a:p>
+                      <a:pPr algn="ctr"/>
+                      <a:endParaRPr lang="ru-RU" dirty="0">
+                        <a:solidFill>
+                          <a:srgbClr val="FF0000"/>
+                        </a:solidFill>
+                      </a:endParaRPr>
+                    </a:p>
+                  </a:txBody>
+                  <a:tcPr/>
+                </a:tc>
+                <a:tc>
+                  <a:txBody>
+                    <a:bodyPr/>
+                    <a:lstStyle/>
+                    <a:p>
+                      <a:pPr marL="0" marR="0" lvl="0" indent="0" algn="ctr" defTabSz="457200" rtl="0" eaLnBrk="1" fontAlgn="auto" latinLnBrk="0" hangingPunct="1">
+                        <a:lnSpc>
+                          <a:spcPct val="100000"/>
+                        </a:lnSpc>
+                        <a:spcBef>
+                          <a:spcPts val="0"/>
+                        </a:spcBef>
+                        <a:spcAft>
+                          <a:spcPts val="0"/>
+                        </a:spcAft>
+                        <a:buClrTx/>
+                        <a:buSzTx/>
+                        <a:buFontTx/>
+                        <a:buNone/>
+                        <a:tabLst/>
+                        <a:defRPr/>
+                      </a:pPr>
+                      <a:r>
+                        <a:rPr lang="en-US" b="0" dirty="0">
+                          <a:solidFill>
+                            <a:srgbClr val="FF0000"/>
+                          </a:solidFill>
+                        </a:rPr>
+                        <a:t>X</a:t>
+                      </a:r>
+                      <a:endParaRPr lang="ru-RU" b="0" dirty="0">
+                        <a:solidFill>
+                          <a:srgbClr val="FF0000"/>
+                        </a:solidFill>
+                      </a:endParaRPr>
+                    </a:p>
+                    <a:p>
+                      <a:pPr algn="ctr"/>
+                      <a:endParaRPr lang="ru-RU" dirty="0">
+                        <a:solidFill>
+                          <a:srgbClr val="FF0000"/>
+                        </a:solidFill>
+                      </a:endParaRPr>
+                    </a:p>
+                  </a:txBody>
+                  <a:tcPr/>
+                </a:tc>
+                <a:tc>
+                  <a:txBody>
+                    <a:bodyPr/>
+                    <a:lstStyle/>
+                    <a:p>
+                      <a:pPr algn="ctr"/>
+                      <a:r>
+                        <a:rPr lang="ru-RU" sz="1500" dirty="0"/>
+                        <a:t>Большая база данных</a:t>
+                      </a:r>
+                    </a:p>
+                  </a:txBody>
+                  <a:tcPr/>
+                </a:tc>
+                <a:tc>
+                  <a:txBody>
+                    <a:bodyPr/>
+                    <a:lstStyle/>
+                    <a:p>
+                      <a:pPr algn="ctr"/>
+                      <a:r>
+                        <a:rPr lang="ru-RU" sz="1500" dirty="0"/>
+                        <a:t>Интерфейс англ., нет визуализации</a:t>
+                      </a:r>
+                    </a:p>
+                  </a:txBody>
+                  <a:tcPr/>
+                </a:tc>
+                <a:extLst>
+                  <a:ext uri="{0D108BD9-81ED-4DB2-BD59-A6C34878D82A}">
+                    <a16:rowId xmlns:a16="http://schemas.microsoft.com/office/drawing/2014/main" val="1835482688"/>
+                  </a:ext>
+                </a:extLst>
+              </a:tr>
+              <a:tr h="1140496">
+                <a:tc>
+                  <a:txBody>
+                    <a:bodyPr/>
+                    <a:lstStyle/>
+                    <a:p>
+                      <a:r>
+                        <a:rPr lang="ru-RU" dirty="0"/>
+                        <a:t>Мой проект</a:t>
+                      </a:r>
+                    </a:p>
+                  </a:txBody>
+                  <a:tcPr/>
+                </a:tc>
+                <a:tc>
+                  <a:txBody>
+                    <a:bodyPr/>
+                    <a:lstStyle/>
+                    <a:p>
+                      <a:pPr marL="0" marR="0" lvl="0" indent="0" algn="ctr" defTabSz="457200" rtl="0" eaLnBrk="1" fontAlgn="auto" latinLnBrk="0" hangingPunct="1">
+                        <a:lnSpc>
+                          <a:spcPct val="100000"/>
+                        </a:lnSpc>
+                        <a:spcBef>
+                          <a:spcPts val="0"/>
+                        </a:spcBef>
+                        <a:spcAft>
+                          <a:spcPts val="0"/>
+                        </a:spcAft>
+                        <a:buClrTx/>
+                        <a:buSzTx/>
+                        <a:buFontTx/>
+                        <a:buNone/>
+                        <a:tabLst/>
+                        <a:defRPr/>
+                      </a:pPr>
+                      <a:r>
+                        <a:rPr lang="ru-RU" sz="1800" b="0" i="0" kern="1200" dirty="0">
+                          <a:solidFill>
+                            <a:srgbClr val="00B050"/>
+                          </a:solidFill>
+                          <a:effectLst/>
+                          <a:latin typeface="+mn-lt"/>
+                          <a:ea typeface="+mn-ea"/>
+                          <a:cs typeface="+mn-cs"/>
+                        </a:rPr>
+                        <a:t>✓</a:t>
+                      </a:r>
+                      <a:endParaRPr lang="ru-RU" b="0" dirty="0">
+                        <a:solidFill>
+                          <a:srgbClr val="00B050"/>
+                        </a:solidFill>
+                      </a:endParaRPr>
+                    </a:p>
+                    <a:p>
+                      <a:pPr algn="ctr"/>
+                      <a:endParaRPr lang="ru-RU" dirty="0"/>
+                    </a:p>
+                  </a:txBody>
+                  <a:tcPr/>
+                </a:tc>
+                <a:tc>
+                  <a:txBody>
+                    <a:bodyPr/>
+                    <a:lstStyle/>
+                    <a:p>
+                      <a:pPr marL="0" marR="0" lvl="0" indent="0" algn="ctr" defTabSz="457200" rtl="0" eaLnBrk="1" fontAlgn="auto" latinLnBrk="0" hangingPunct="1">
+                        <a:lnSpc>
+                          <a:spcPct val="100000"/>
+                        </a:lnSpc>
+                        <a:spcBef>
+                          <a:spcPts val="0"/>
+                        </a:spcBef>
+                        <a:spcAft>
+                          <a:spcPts val="0"/>
+                        </a:spcAft>
+                        <a:buClrTx/>
+                        <a:buSzTx/>
+                        <a:buFontTx/>
+                        <a:buNone/>
+                        <a:tabLst/>
+                        <a:defRPr/>
+                      </a:pPr>
+                      <a:r>
+                        <a:rPr lang="ru-RU" sz="1800" b="0" i="0" kern="1200" dirty="0">
+                          <a:solidFill>
+                            <a:srgbClr val="00B050"/>
+                          </a:solidFill>
+                          <a:effectLst/>
+                          <a:latin typeface="+mn-lt"/>
+                          <a:ea typeface="+mn-ea"/>
+                          <a:cs typeface="+mn-cs"/>
+                        </a:rPr>
+                        <a:t>✓</a:t>
+                      </a:r>
+                      <a:endParaRPr lang="ru-RU" b="0" dirty="0">
+                        <a:solidFill>
+                          <a:srgbClr val="00B050"/>
+                        </a:solidFill>
+                      </a:endParaRPr>
+                    </a:p>
+                    <a:p>
+                      <a:pPr algn="ctr"/>
+                      <a:endParaRPr lang="ru-RU" dirty="0">
+                        <a:solidFill>
+                          <a:srgbClr val="00B050"/>
+                        </a:solidFill>
+                      </a:endParaRPr>
+                    </a:p>
+                  </a:txBody>
+                  <a:tcPr/>
+                </a:tc>
+                <a:tc>
+                  <a:txBody>
+                    <a:bodyPr/>
+                    <a:lstStyle/>
+                    <a:p>
+                      <a:pPr algn="ctr"/>
+                      <a:r>
+                        <a:rPr lang="ru-RU" sz="1500" dirty="0"/>
+                        <a:t>Планируется</a:t>
+                      </a:r>
+                    </a:p>
+                  </a:txBody>
+                  <a:tcPr/>
+                </a:tc>
+                <a:tc>
+                  <a:txBody>
+                    <a:bodyPr/>
+                    <a:lstStyle/>
+                    <a:p>
+                      <a:pPr marL="0" marR="0" lvl="0" indent="0" algn="ctr" defTabSz="457200" rtl="0" eaLnBrk="1" fontAlgn="auto" latinLnBrk="0" hangingPunct="1">
+                        <a:lnSpc>
+                          <a:spcPct val="100000"/>
+                        </a:lnSpc>
+                        <a:spcBef>
+                          <a:spcPts val="0"/>
+                        </a:spcBef>
+                        <a:spcAft>
+                          <a:spcPts val="0"/>
+                        </a:spcAft>
+                        <a:buClrTx/>
+                        <a:buSzTx/>
+                        <a:buFontTx/>
+                        <a:buNone/>
+                        <a:tabLst/>
+                        <a:defRPr/>
+                      </a:pPr>
+                      <a:r>
+                        <a:rPr lang="ru-RU" sz="1800" b="0" i="0" kern="1200" dirty="0">
+                          <a:solidFill>
+                            <a:srgbClr val="00B050"/>
+                          </a:solidFill>
+                          <a:effectLst/>
+                          <a:latin typeface="+mn-lt"/>
+                          <a:ea typeface="+mn-ea"/>
+                          <a:cs typeface="+mn-cs"/>
+                        </a:rPr>
+                        <a:t>✓</a:t>
+                      </a:r>
+                      <a:endParaRPr lang="ru-RU" b="0" dirty="0">
+                        <a:solidFill>
+                          <a:srgbClr val="00B050"/>
+                        </a:solidFill>
+                      </a:endParaRPr>
+                    </a:p>
+                    <a:p>
+                      <a:pPr algn="ctr"/>
+                      <a:endParaRPr lang="ru-RU" dirty="0"/>
+                    </a:p>
+                  </a:txBody>
+                  <a:tcPr/>
+                </a:tc>
+                <a:tc>
+                  <a:txBody>
+                    <a:bodyPr/>
+                    <a:lstStyle/>
+                    <a:p>
+                      <a:pPr marL="0" marR="0" lvl="0" indent="0" algn="ctr" defTabSz="457200" rtl="0" eaLnBrk="1" fontAlgn="auto" latinLnBrk="0" hangingPunct="1">
+                        <a:lnSpc>
+                          <a:spcPct val="100000"/>
+                        </a:lnSpc>
+                        <a:spcBef>
+                          <a:spcPts val="0"/>
+                        </a:spcBef>
+                        <a:spcAft>
+                          <a:spcPts val="0"/>
+                        </a:spcAft>
+                        <a:buClrTx/>
+                        <a:buSzTx/>
+                        <a:buFontTx/>
+                        <a:buNone/>
+                        <a:tabLst/>
+                        <a:defRPr/>
+                      </a:pPr>
+                      <a:r>
+                        <a:rPr lang="ru-RU" sz="1800" b="0" i="0" kern="1200" dirty="0">
+                          <a:solidFill>
+                            <a:srgbClr val="00B050"/>
+                          </a:solidFill>
+                          <a:effectLst/>
+                          <a:latin typeface="+mn-lt"/>
+                          <a:ea typeface="+mn-ea"/>
+                          <a:cs typeface="+mn-cs"/>
+                        </a:rPr>
+                        <a:t>✓</a:t>
+                      </a:r>
+                      <a:endParaRPr lang="ru-RU" b="0" dirty="0">
+                        <a:solidFill>
+                          <a:srgbClr val="00B050"/>
+                        </a:solidFill>
+                      </a:endParaRPr>
+                    </a:p>
+                    <a:p>
+                      <a:pPr algn="ctr"/>
+                      <a:endParaRPr lang="ru-RU" dirty="0">
+                        <a:solidFill>
+                          <a:srgbClr val="00B050"/>
+                        </a:solidFill>
+                      </a:endParaRPr>
+                    </a:p>
+                  </a:txBody>
+                  <a:tcPr/>
+                </a:tc>
+                <a:tc>
+                  <a:txBody>
+                    <a:bodyPr/>
+                    <a:lstStyle/>
+                    <a:p>
+                      <a:pPr marL="0" marR="0" lvl="0" indent="0" algn="ctr" defTabSz="457200" rtl="0" eaLnBrk="1" fontAlgn="auto" latinLnBrk="0" hangingPunct="1">
+                        <a:lnSpc>
+                          <a:spcPct val="100000"/>
+                        </a:lnSpc>
+                        <a:spcBef>
+                          <a:spcPts val="0"/>
+                        </a:spcBef>
+                        <a:spcAft>
+                          <a:spcPts val="0"/>
+                        </a:spcAft>
+                        <a:buClrTx/>
+                        <a:buSzTx/>
+                        <a:buFontTx/>
+                        <a:buNone/>
+                        <a:tabLst/>
+                        <a:defRPr/>
+                      </a:pPr>
+                      <a:r>
+                        <a:rPr lang="ru-RU" sz="1800" b="0" i="0" kern="1200" dirty="0">
+                          <a:solidFill>
+                            <a:srgbClr val="00B050"/>
+                          </a:solidFill>
+                          <a:effectLst/>
+                          <a:latin typeface="+mn-lt"/>
+                          <a:ea typeface="+mn-ea"/>
+                          <a:cs typeface="+mn-cs"/>
+                        </a:rPr>
+                        <a:t>✓</a:t>
+                      </a:r>
+                      <a:endParaRPr lang="ru-RU" b="0" dirty="0">
+                        <a:solidFill>
+                          <a:srgbClr val="00B050"/>
+                        </a:solidFill>
+                      </a:endParaRPr>
+                    </a:p>
+                    <a:p>
+                      <a:pPr algn="ctr"/>
+                      <a:endParaRPr lang="ru-RU" dirty="0">
+                        <a:solidFill>
+                          <a:srgbClr val="00B050"/>
+                        </a:solidFill>
+                      </a:endParaRPr>
+                    </a:p>
+                  </a:txBody>
+                  <a:tcPr/>
+                </a:tc>
+                <a:tc>
+                  <a:txBody>
+                    <a:bodyPr/>
+                    <a:lstStyle/>
+                    <a:p>
+                      <a:pPr marL="0" marR="0" lvl="0" indent="0" algn="ctr" defTabSz="457200" rtl="0" eaLnBrk="1" fontAlgn="auto" latinLnBrk="0" hangingPunct="1">
+                        <a:lnSpc>
+                          <a:spcPct val="100000"/>
+                        </a:lnSpc>
+                        <a:spcBef>
+                          <a:spcPts val="0"/>
+                        </a:spcBef>
+                        <a:spcAft>
+                          <a:spcPts val="0"/>
+                        </a:spcAft>
+                        <a:buClrTx/>
+                        <a:buSzTx/>
+                        <a:buFontTx/>
+                        <a:buNone/>
+                        <a:tabLst/>
+                        <a:defRPr/>
+                      </a:pPr>
+                      <a:r>
+                        <a:rPr lang="ru-RU" sz="1800" b="0" i="0" kern="1200" dirty="0">
+                          <a:solidFill>
+                            <a:srgbClr val="00B050"/>
+                          </a:solidFill>
+                          <a:effectLst/>
+                          <a:latin typeface="+mn-lt"/>
+                          <a:ea typeface="+mn-ea"/>
+                          <a:cs typeface="+mn-cs"/>
+                        </a:rPr>
+                        <a:t>✓</a:t>
+                      </a:r>
+                      <a:endParaRPr lang="ru-RU" b="0" dirty="0">
+                        <a:solidFill>
+                          <a:srgbClr val="00B050"/>
+                        </a:solidFill>
+                      </a:endParaRPr>
+                    </a:p>
+                    <a:p>
+                      <a:pPr algn="ctr"/>
+                      <a:endParaRPr lang="ru-RU" dirty="0">
+                        <a:solidFill>
+                          <a:srgbClr val="00B050"/>
+                        </a:solidFill>
+                      </a:endParaRPr>
+                    </a:p>
+                  </a:txBody>
+                  <a:tcPr/>
+                </a:tc>
+                <a:tc>
+                  <a:txBody>
+                    <a:bodyPr/>
+                    <a:lstStyle/>
+                    <a:p>
+                      <a:pPr marL="0" marR="0" lvl="0" indent="0" algn="ctr" defTabSz="457200" rtl="0" eaLnBrk="1" fontAlgn="auto" latinLnBrk="0" hangingPunct="1">
+                        <a:lnSpc>
+                          <a:spcPct val="100000"/>
+                        </a:lnSpc>
+                        <a:spcBef>
+                          <a:spcPts val="0"/>
+                        </a:spcBef>
+                        <a:spcAft>
+                          <a:spcPts val="0"/>
+                        </a:spcAft>
+                        <a:buClrTx/>
+                        <a:buSzTx/>
+                        <a:buFontTx/>
+                        <a:buNone/>
+                        <a:tabLst/>
+                        <a:defRPr/>
+                      </a:pPr>
+                      <a:r>
+                        <a:rPr lang="ru-RU" sz="1800" b="0" i="0" kern="1200" dirty="0">
+                          <a:solidFill>
+                            <a:srgbClr val="00B050"/>
+                          </a:solidFill>
+                          <a:effectLst/>
+                          <a:latin typeface="+mn-lt"/>
+                          <a:ea typeface="+mn-ea"/>
+                          <a:cs typeface="+mn-cs"/>
+                        </a:rPr>
+                        <a:t>✓</a:t>
+                      </a:r>
+                      <a:endParaRPr lang="ru-RU" b="0" dirty="0">
+                        <a:solidFill>
+                          <a:srgbClr val="00B050"/>
+                        </a:solidFill>
+                      </a:endParaRPr>
+                    </a:p>
+                    <a:p>
+                      <a:pPr algn="ctr"/>
+                      <a:endParaRPr lang="ru-RU" dirty="0">
+                        <a:solidFill>
+                          <a:srgbClr val="00B050"/>
+                        </a:solidFill>
+                      </a:endParaRPr>
+                    </a:p>
+                  </a:txBody>
+                  <a:tcPr/>
+                </a:tc>
+                <a:tc>
+                  <a:txBody>
+                    <a:bodyPr/>
+                    <a:lstStyle/>
+                    <a:p>
+                      <a:pPr algn="ctr"/>
+                      <a:r>
+                        <a:rPr lang="en-US" sz="1500" dirty="0"/>
+                        <a:t>3D-</a:t>
+                      </a:r>
+                      <a:r>
+                        <a:rPr lang="ru-RU" sz="1500" dirty="0"/>
+                        <a:t>сборка, кастомизация, локализация</a:t>
+                      </a:r>
+                    </a:p>
+                  </a:txBody>
+                  <a:tcPr/>
+                </a:tc>
+                <a:tc>
+                  <a:txBody>
+                    <a:bodyPr/>
+                    <a:lstStyle/>
+                    <a:p>
+                      <a:pPr algn="ctr"/>
+                      <a:r>
+                        <a:rPr lang="ru-RU" sz="1500" dirty="0"/>
+                        <a:t>В разработке</a:t>
+                      </a:r>
+                    </a:p>
+                  </a:txBody>
+                  <a:tcPr/>
+                </a:tc>
+                <a:extLst>
+                  <a:ext uri="{0D108BD9-81ED-4DB2-BD59-A6C34878D82A}">
+                    <a16:rowId xmlns:a16="http://schemas.microsoft.com/office/drawing/2014/main" val="2385675043"/>
+                  </a:ext>
+                </a:extLst>
+              </a:tr>
+            </a:tbl>
+          </a:graphicData>
+        </a:graphic>
+      </p:graphicFrame>
+      <p:sp>
+        <p:nvSpPr>
+          <p:cNvPr id="4" name="TextBox 3">
+            <a:extLst>
+              <a:ext uri="{FF2B5EF4-FFF2-40B4-BE49-F238E27FC236}">
+                <a16:creationId xmlns:a16="http://schemas.microsoft.com/office/drawing/2014/main" id="{4676F3C9-5FAA-466D-AE32-07533ED38427}"/>
+              </a:ext>
+            </a:extLst>
+          </p:cNvPr>
           <p:cNvSpPr txBox="1"/>
           <p:nvPr/>
         </p:nvSpPr>
         <p:spPr>
           <a:xfrm>
-            <a:off x="640080" y="457200"/>
-            <a:ext cx="10972800" cy="914400"/>
+            <a:off x="3624871" y="26894"/>
+            <a:ext cx="4852611" cy="707886"/>
           </a:xfrm>
           <a:prstGeom prst="rect">
             <a:avLst/>
@@ -4124,7 +7020,7 @@
           </a:bodyPr>
           <a:lstStyle/>
           <a:p>
-            <a:pPr>
+            <a:pPr algn="ctr">
               <a:defRPr sz="4000" b="1">
                 <a:solidFill>
                   <a:srgbClr val="003366"/>
@@ -4132,21 +7028,37 @@
               </a:defRPr>
             </a:pPr>
             <a:r>
-              <a:t>Стек технологий</a:t>
-            </a:r>
-          </a:p>
-        </p:txBody>
-      </p:sp>
-      <p:sp>
-        <p:nvSpPr>
-          <p:cNvPr id="4" name="TextBox 3"/>
+              <a:rPr lang="ru-RU" dirty="0"/>
+              <a:t>Аналоги </a:t>
+            </a:r>
+            <a:r>
+              <a:rPr lang="en-US" dirty="0"/>
+              <a:t>/ </a:t>
+            </a:r>
+            <a:r>
+              <a:rPr lang="ru-RU" dirty="0"/>
+              <a:t>сравнение</a:t>
+            </a:r>
+            <a:endParaRPr dirty="0"/>
+          </a:p>
+        </p:txBody>
+      </p:sp>
+      <p:sp>
+        <p:nvSpPr>
+          <p:cNvPr id="5" name="TextBox 4">
+            <a:extLst>
+              <a:ext uri="{FF2B5EF4-FFF2-40B4-BE49-F238E27FC236}">
+                <a16:creationId xmlns:a16="http://schemas.microsoft.com/office/drawing/2014/main" id="{3E7C706B-029D-44F7-818C-AD2219C6EAF3}"/>
+              </a:ext>
+            </a:extLst>
+          </p:cNvPr>
           <p:cNvSpPr txBox="1"/>
           <p:nvPr/>
         </p:nvSpPr>
         <p:spPr>
           <a:xfrm>
-            <a:off x="640080" y="1554480"/>
-            <a:ext cx="10972800" cy="4572000"/>
+            <a:off x="11946718" y="6527075"/>
+            <a:ext cx="301686" cy="369332"/>
           </a:xfrm>
           <a:prstGeom prst="rect">
             <a:avLst/>
@@ -4154,13 +7066,220 @@
           <a:noFill/>
         </p:spPr>
         <p:txBody>
+          <a:bodyPr wrap="none" rtlCol="0">
+            <a:spAutoFit/>
+          </a:bodyPr>
+          <a:lstStyle/>
+          <a:p>
+            <a:r>
+              <a:rPr lang="ru-RU" dirty="0"/>
+              <a:t>4</a:t>
+            </a:r>
+          </a:p>
+        </p:txBody>
+      </p:sp>
+    </p:spTree>
+    <p:extLst>
+      <p:ext uri="{BB962C8B-B14F-4D97-AF65-F5344CB8AC3E}">
+        <p14:creationId xmlns:p14="http://schemas.microsoft.com/office/powerpoint/2010/main" val="356182671"/>
+      </p:ext>
+    </p:extLst>
+  </p:cSld>
+  <p:clrMapOvr>
+    <a:masterClrMapping/>
+  </p:clrMapOvr>
+</p:sld>
+</file>
+
+<file path=ppt/slides/slide5.xml><?xml version="1.0" encoding="utf-8"?>
+<p:sld xmlns:a="http://schemas.openxmlformats.org/drawingml/2006/main" xmlns:r="http://schemas.openxmlformats.org/officeDocument/2006/relationships" xmlns:p="http://schemas.openxmlformats.org/presentationml/2006/main">
+  <p:cSld>
+    <p:spTree>
+      <p:nvGrpSpPr>
+        <p:cNvPr id="1" name=""/>
+        <p:cNvGrpSpPr/>
+        <p:nvPr/>
+      </p:nvGrpSpPr>
+      <p:grpSpPr>
+        <a:xfrm>
+          <a:off x="0" y="0"/>
+          <a:ext cx="0" cy="0"/>
+          <a:chOff x="0" y="0"/>
+          <a:chExt cx="0" cy="0"/>
+        </a:xfrm>
+      </p:grpSpPr>
+      <p:sp>
+        <p:nvSpPr>
+          <p:cNvPr id="2" name="Rectangle 1"/>
+          <p:cNvSpPr/>
+          <p:nvPr/>
+        </p:nvSpPr>
+        <p:spPr>
+          <a:xfrm>
+            <a:off x="-23435" y="0"/>
+            <a:ext cx="12188952" cy="6858000"/>
+          </a:xfrm>
+          <a:prstGeom prst="rect">
+            <a:avLst/>
+          </a:prstGeom>
+          <a:solidFill>
+            <a:srgbClr val="F2F2F2"/>
+          </a:solidFill>
+          <a:ln>
+            <a:noFill/>
+          </a:ln>
+        </p:spPr>
+        <p:style>
+          <a:lnRef idx="1">
+            <a:schemeClr val="accent1"/>
+          </a:lnRef>
+          <a:fillRef idx="3">
+            <a:schemeClr val="accent1"/>
+          </a:fillRef>
+          <a:effectRef idx="2">
+            <a:schemeClr val="accent1"/>
+          </a:effectRef>
+          <a:fontRef idx="minor">
+            <a:schemeClr val="lt1"/>
+          </a:fontRef>
+        </p:style>
+        <p:txBody>
+          <a:bodyPr rtlCol="0" anchor="ctr"/>
+          <a:lstStyle/>
+          <a:p>
+            <a:pPr algn="ctr"/>
+            <a:endParaRPr dirty="0"/>
+          </a:p>
+        </p:txBody>
+      </p:sp>
+      <p:sp>
+        <p:nvSpPr>
+          <p:cNvPr id="3" name="TextBox 2"/>
+          <p:cNvSpPr txBox="1"/>
+          <p:nvPr/>
+        </p:nvSpPr>
+        <p:spPr>
+          <a:xfrm>
+            <a:off x="4189147" y="72436"/>
+            <a:ext cx="3810530" cy="707886"/>
+          </a:xfrm>
+          <a:prstGeom prst="rect">
+            <a:avLst/>
+          </a:prstGeom>
+          <a:noFill/>
+        </p:spPr>
+        <p:txBody>
           <a:bodyPr wrap="none">
             <a:spAutoFit/>
           </a:bodyPr>
           <a:lstStyle/>
           <a:p>
-            <a:endParaRPr/>
-          </a:p>
+            <a:pPr algn="ctr">
+              <a:defRPr sz="4000" b="1">
+                <a:solidFill>
+                  <a:srgbClr val="003366"/>
+                </a:solidFill>
+              </a:defRPr>
+            </a:pPr>
+            <a:r>
+              <a:rPr dirty="0" err="1"/>
+              <a:t>Стек</a:t>
+            </a:r>
+            <a:r>
+              <a:rPr dirty="0"/>
+              <a:t> </a:t>
+            </a:r>
+            <a:r>
+              <a:rPr dirty="0" err="1"/>
+              <a:t>технологий</a:t>
+            </a:r>
+            <a:endParaRPr dirty="0"/>
+          </a:p>
+        </p:txBody>
+      </p:sp>
+      <p:sp>
+        <p:nvSpPr>
+          <p:cNvPr id="4" name="TextBox 3"/>
+          <p:cNvSpPr txBox="1"/>
+          <p:nvPr/>
+        </p:nvSpPr>
+        <p:spPr>
+          <a:xfrm>
+            <a:off x="640080" y="1554480"/>
+            <a:ext cx="184731" cy="369332"/>
+          </a:xfrm>
+          <a:prstGeom prst="rect">
+            <a:avLst/>
+          </a:prstGeom>
+          <a:noFill/>
+        </p:spPr>
+        <p:txBody>
+          <a:bodyPr wrap="none">
+            <a:spAutoFit/>
+          </a:bodyPr>
+          <a:lstStyle/>
+          <a:p>
+            <a:endParaRPr dirty="0"/>
+          </a:p>
+        </p:txBody>
+      </p:sp>
+      <p:pic>
+        <p:nvPicPr>
+          <p:cNvPr id="11" name="Рисунок 10">
+            <a:extLst>
+              <a:ext uri="{FF2B5EF4-FFF2-40B4-BE49-F238E27FC236}">
+                <a16:creationId xmlns:a16="http://schemas.microsoft.com/office/drawing/2014/main" id="{7F36E34C-939F-4E67-91EF-58CFB8745F81}"/>
+              </a:ext>
+            </a:extLst>
+          </p:cNvPr>
+          <p:cNvPicPr>
+            <a:picLocks noChangeAspect="1"/>
+          </p:cNvPicPr>
+          <p:nvPr/>
+        </p:nvPicPr>
+        <p:blipFill>
+          <a:blip r:embed="rId2"/>
+          <a:stretch>
+            <a:fillRect/>
+          </a:stretch>
+        </p:blipFill>
+        <p:spPr>
+          <a:xfrm>
+            <a:off x="2934954" y="1514669"/>
+            <a:ext cx="1478023" cy="1195120"/>
+          </a:xfrm>
+          <a:prstGeom prst="rect">
+            <a:avLst/>
+          </a:prstGeom>
+        </p:spPr>
+      </p:pic>
+      <p:sp>
+        <p:nvSpPr>
+          <p:cNvPr id="15" name="TextBox 14">
+            <a:extLst>
+              <a:ext uri="{FF2B5EF4-FFF2-40B4-BE49-F238E27FC236}">
+                <a16:creationId xmlns:a16="http://schemas.microsoft.com/office/drawing/2014/main" id="{84A1713E-E413-4129-9074-0E3B23BC35AA}"/>
+              </a:ext>
+            </a:extLst>
+          </p:cNvPr>
+          <p:cNvSpPr txBox="1"/>
+          <p:nvPr/>
+        </p:nvSpPr>
+        <p:spPr>
+          <a:xfrm>
+            <a:off x="2749193" y="807567"/>
+            <a:ext cx="2099594" cy="553998"/>
+          </a:xfrm>
+          <a:prstGeom prst="rect">
+            <a:avLst/>
+          </a:prstGeom>
+          <a:noFill/>
+        </p:spPr>
+        <p:txBody>
+          <a:bodyPr wrap="square">
+            <a:spAutoFit/>
+          </a:bodyPr>
+          <a:lstStyle/>
           <a:p>
             <a:pPr>
               <a:defRPr sz="2400">
@@ -4170,9 +7289,39 @@
               </a:defRPr>
             </a:pPr>
             <a:r>
-              <a:t>• Язык программирования: C#</a:t>
-            </a:r>
-          </a:p>
+              <a:rPr lang="ru-RU" sz="3000" dirty="0"/>
+              <a:t>Технологии</a:t>
+            </a:r>
+          </a:p>
+        </p:txBody>
+      </p:sp>
+      <p:sp>
+        <p:nvSpPr>
+          <p:cNvPr id="16" name="TextBox 15">
+            <a:extLst>
+              <a:ext uri="{FF2B5EF4-FFF2-40B4-BE49-F238E27FC236}">
+                <a16:creationId xmlns:a16="http://schemas.microsoft.com/office/drawing/2014/main" id="{DD6CA732-712D-46D9-B39D-759B6A3E8BED}"/>
+              </a:ext>
+            </a:extLst>
+          </p:cNvPr>
+          <p:cNvSpPr txBox="1"/>
+          <p:nvPr/>
+        </p:nvSpPr>
+        <p:spPr>
+          <a:xfrm>
+            <a:off x="6849292" y="807567"/>
+            <a:ext cx="2300770" cy="553998"/>
+          </a:xfrm>
+          <a:prstGeom prst="rect">
+            <a:avLst/>
+          </a:prstGeom>
+          <a:noFill/>
+        </p:spPr>
+        <p:txBody>
+          <a:bodyPr wrap="square">
+            <a:spAutoFit/>
+          </a:bodyPr>
+          <a:lstStyle/>
           <a:p>
             <a:pPr>
               <a:defRPr sz="2400">
@@ -4182,9 +7331,39 @@
               </a:defRPr>
             </a:pPr>
             <a:r>
-              <a:t>• Графический движок: Unity3D</a:t>
-            </a:r>
-          </a:p>
+              <a:rPr lang="ru-RU" sz="3000" dirty="0"/>
+              <a:t>Назначение</a:t>
+            </a:r>
+          </a:p>
+        </p:txBody>
+      </p:sp>
+      <p:sp>
+        <p:nvSpPr>
+          <p:cNvPr id="17" name="TextBox 16">
+            <a:extLst>
+              <a:ext uri="{FF2B5EF4-FFF2-40B4-BE49-F238E27FC236}">
+                <a16:creationId xmlns:a16="http://schemas.microsoft.com/office/drawing/2014/main" id="{B1B7E84D-3B74-4FC3-B81C-646420D9B19B}"/>
+              </a:ext>
+            </a:extLst>
+          </p:cNvPr>
+          <p:cNvSpPr txBox="1"/>
+          <p:nvPr/>
+        </p:nvSpPr>
+        <p:spPr>
+          <a:xfrm>
+            <a:off x="6610224" y="1804844"/>
+            <a:ext cx="6277094" cy="461665"/>
+          </a:xfrm>
+          <a:prstGeom prst="rect">
+            <a:avLst/>
+          </a:prstGeom>
+          <a:noFill/>
+        </p:spPr>
+        <p:txBody>
+          <a:bodyPr wrap="square">
+            <a:spAutoFit/>
+          </a:bodyPr>
+          <a:lstStyle/>
           <a:p>
             <a:pPr>
               <a:defRPr sz="2400">
@@ -4194,9 +7373,106 @@
               </a:defRPr>
             </a:pPr>
             <a:r>
-              <a:t>• Интерфейс: Windows Forms</a:t>
-            </a:r>
-          </a:p>
+              <a:rPr lang="ru-RU" dirty="0"/>
+              <a:t>Хранение данных</a:t>
+            </a:r>
+            <a:endParaRPr lang="ru-RU" sz="1800" dirty="0"/>
+          </a:p>
+        </p:txBody>
+      </p:sp>
+      <p:cxnSp>
+        <p:nvCxnSpPr>
+          <p:cNvPr id="19" name="Прямая соединительная линия 18">
+            <a:extLst>
+              <a:ext uri="{FF2B5EF4-FFF2-40B4-BE49-F238E27FC236}">
+                <a16:creationId xmlns:a16="http://schemas.microsoft.com/office/drawing/2014/main" id="{53DE6E41-4550-485B-8990-B98CDB88129C}"/>
+              </a:ext>
+            </a:extLst>
+          </p:cNvPr>
+          <p:cNvCxnSpPr/>
+          <p:nvPr/>
+        </p:nvCxnSpPr>
+        <p:spPr>
+          <a:xfrm>
+            <a:off x="1308847" y="2814917"/>
+            <a:ext cx="9782698" cy="0"/>
+          </a:xfrm>
+          <a:prstGeom prst="line">
+            <a:avLst/>
+          </a:prstGeom>
+        </p:spPr>
+        <p:style>
+          <a:lnRef idx="2">
+            <a:schemeClr val="accent1"/>
+          </a:lnRef>
+          <a:fillRef idx="0">
+            <a:schemeClr val="accent1"/>
+          </a:fillRef>
+          <a:effectRef idx="1">
+            <a:schemeClr val="accent1"/>
+          </a:effectRef>
+          <a:fontRef idx="minor">
+            <a:schemeClr val="tx1"/>
+          </a:fontRef>
+        </p:style>
+      </p:cxnSp>
+      <p:pic>
+        <p:nvPicPr>
+          <p:cNvPr id="21" name="Рисунок 20">
+            <a:extLst>
+              <a:ext uri="{FF2B5EF4-FFF2-40B4-BE49-F238E27FC236}">
+                <a16:creationId xmlns:a16="http://schemas.microsoft.com/office/drawing/2014/main" id="{BE44E0DA-6D2A-493F-BFD1-5AD3203D8727}"/>
+              </a:ext>
+            </a:extLst>
+          </p:cNvPr>
+          <p:cNvPicPr>
+            <a:picLocks noChangeAspect="1"/>
+          </p:cNvPicPr>
+          <p:nvPr/>
+        </p:nvPicPr>
+        <p:blipFill>
+          <a:blip r:embed="rId3"/>
+          <a:stretch>
+            <a:fillRect/>
+          </a:stretch>
+        </p:blipFill>
+        <p:spPr>
+          <a:xfrm>
+            <a:off x="2508018" y="2472118"/>
+            <a:ext cx="2331894" cy="2099865"/>
+          </a:xfrm>
+          <a:prstGeom prst="rect">
+            <a:avLst/>
+          </a:prstGeom>
+        </p:spPr>
+      </p:pic>
+      <p:sp>
+        <p:nvSpPr>
+          <p:cNvPr id="22" name="TextBox 21">
+            <a:extLst>
+              <a:ext uri="{FF2B5EF4-FFF2-40B4-BE49-F238E27FC236}">
+                <a16:creationId xmlns:a16="http://schemas.microsoft.com/office/drawing/2014/main" id="{B4D3EA26-6CF5-4A93-B185-164FDEA4CAB7}"/>
+              </a:ext>
+            </a:extLst>
+          </p:cNvPr>
+          <p:cNvSpPr txBox="1"/>
+          <p:nvPr/>
+        </p:nvSpPr>
+        <p:spPr>
+          <a:xfrm>
+            <a:off x="6200196" y="3210518"/>
+            <a:ext cx="6277094" cy="461665"/>
+          </a:xfrm>
+          <a:prstGeom prst="rect">
+            <a:avLst/>
+          </a:prstGeom>
+          <a:noFill/>
+        </p:spPr>
+        <p:txBody>
+          <a:bodyPr wrap="square">
+            <a:spAutoFit/>
+          </a:bodyPr>
+          <a:lstStyle/>
           <a:p>
             <a:pPr>
               <a:defRPr sz="2400">
@@ -4206,9 +7482,145 @@
               </a:defRPr>
             </a:pPr>
             <a:r>
-              <a:t>• СУБД: Microsoft SQL Server</a:t>
-            </a:r>
-          </a:p>
+              <a:rPr lang="ru-RU" sz="2400" dirty="0"/>
+              <a:t>Интерфейс пользователя</a:t>
+            </a:r>
+          </a:p>
+        </p:txBody>
+      </p:sp>
+      <p:cxnSp>
+        <p:nvCxnSpPr>
+          <p:cNvPr id="23" name="Прямая соединительная линия 22">
+            <a:extLst>
+              <a:ext uri="{FF2B5EF4-FFF2-40B4-BE49-F238E27FC236}">
+                <a16:creationId xmlns:a16="http://schemas.microsoft.com/office/drawing/2014/main" id="{C0454C4F-4A5E-4AF7-80C9-F202A998B535}"/>
+              </a:ext>
+            </a:extLst>
+          </p:cNvPr>
+          <p:cNvCxnSpPr>
+            <a:cxnSpLocks/>
+          </p:cNvCxnSpPr>
+          <p:nvPr/>
+        </p:nvCxnSpPr>
+        <p:spPr>
+          <a:xfrm>
+            <a:off x="1308847" y="4276163"/>
+            <a:ext cx="9782698" cy="0"/>
+          </a:xfrm>
+          <a:prstGeom prst="line">
+            <a:avLst/>
+          </a:prstGeom>
+        </p:spPr>
+        <p:style>
+          <a:lnRef idx="2">
+            <a:schemeClr val="accent1"/>
+          </a:lnRef>
+          <a:fillRef idx="0">
+            <a:schemeClr val="accent1"/>
+          </a:fillRef>
+          <a:effectRef idx="1">
+            <a:schemeClr val="accent1"/>
+          </a:effectRef>
+          <a:fontRef idx="minor">
+            <a:schemeClr val="tx1"/>
+          </a:fontRef>
+        </p:style>
+      </p:cxnSp>
+      <p:cxnSp>
+        <p:nvCxnSpPr>
+          <p:cNvPr id="25" name="Прямая соединительная линия 24">
+            <a:extLst>
+              <a:ext uri="{FF2B5EF4-FFF2-40B4-BE49-F238E27FC236}">
+                <a16:creationId xmlns:a16="http://schemas.microsoft.com/office/drawing/2014/main" id="{45928673-9C2D-4E56-9FC2-9B39081380C2}"/>
+              </a:ext>
+            </a:extLst>
+          </p:cNvPr>
+          <p:cNvCxnSpPr>
+            <a:cxnSpLocks/>
+          </p:cNvCxnSpPr>
+          <p:nvPr/>
+        </p:nvCxnSpPr>
+        <p:spPr>
+          <a:xfrm>
+            <a:off x="1308847" y="5262278"/>
+            <a:ext cx="9782698" cy="0"/>
+          </a:xfrm>
+          <a:prstGeom prst="line">
+            <a:avLst/>
+          </a:prstGeom>
+        </p:spPr>
+        <p:style>
+          <a:lnRef idx="2">
+            <a:schemeClr val="accent1"/>
+          </a:lnRef>
+          <a:fillRef idx="0">
+            <a:schemeClr val="accent1"/>
+          </a:fillRef>
+          <a:effectRef idx="1">
+            <a:schemeClr val="accent1"/>
+          </a:effectRef>
+          <a:fontRef idx="minor">
+            <a:schemeClr val="tx1"/>
+          </a:fontRef>
+        </p:style>
+      </p:cxnSp>
+      <p:pic>
+        <p:nvPicPr>
+          <p:cNvPr id="27" name="Рисунок 26">
+            <a:extLst>
+              <a:ext uri="{FF2B5EF4-FFF2-40B4-BE49-F238E27FC236}">
+                <a16:creationId xmlns:a16="http://schemas.microsoft.com/office/drawing/2014/main" id="{9F505EF7-4DE5-421B-926E-25CBDCA77D25}"/>
+              </a:ext>
+            </a:extLst>
+          </p:cNvPr>
+          <p:cNvPicPr>
+            <a:picLocks noChangeAspect="1"/>
+          </p:cNvPicPr>
+          <p:nvPr/>
+        </p:nvPicPr>
+        <p:blipFill>
+          <a:blip r:embed="rId4"/>
+          <a:stretch>
+            <a:fillRect/>
+          </a:stretch>
+        </p:blipFill>
+        <p:spPr>
+          <a:xfrm>
+            <a:off x="2619632" y="4163141"/>
+            <a:ext cx="2358715" cy="1326777"/>
+          </a:xfrm>
+          <a:prstGeom prst="rect">
+            <a:avLst/>
+          </a:prstGeom>
+        </p:spPr>
+      </p:pic>
+      <p:sp>
+        <p:nvSpPr>
+          <p:cNvPr id="29" name="TextBox 28">
+            <a:extLst>
+              <a:ext uri="{FF2B5EF4-FFF2-40B4-BE49-F238E27FC236}">
+                <a16:creationId xmlns:a16="http://schemas.microsoft.com/office/drawing/2014/main" id="{0D0D76B7-71D6-4EAD-BA70-C7CBADD9742D}"/>
+              </a:ext>
+            </a:extLst>
+          </p:cNvPr>
+          <p:cNvSpPr txBox="1"/>
+          <p:nvPr/>
+        </p:nvSpPr>
+        <p:spPr>
+          <a:xfrm>
+            <a:off x="6794143" y="4501435"/>
+            <a:ext cx="6277094" cy="461665"/>
+          </a:xfrm>
+          <a:prstGeom prst="rect">
+            <a:avLst/>
+          </a:prstGeom>
+          <a:noFill/>
+        </p:spPr>
+        <p:txBody>
+          <a:bodyPr wrap="square">
+            <a:spAutoFit/>
+          </a:bodyPr>
+          <a:lstStyle/>
           <a:p>
             <a:pPr>
               <a:defRPr sz="2400">
@@ -4218,9 +7630,69 @@
               </a:defRPr>
             </a:pPr>
             <a:r>
-              <a:t>• Связь с Unity: через DLL и/или TCP/UDP</a:t>
-            </a:r>
-          </a:p>
+              <a:rPr lang="ru-RU" sz="2400" dirty="0"/>
+              <a:t>Визуализация</a:t>
+            </a:r>
+          </a:p>
+        </p:txBody>
+      </p:sp>
+      <p:pic>
+        <p:nvPicPr>
+          <p:cNvPr id="31" name="Рисунок 30">
+            <a:extLst>
+              <a:ext uri="{FF2B5EF4-FFF2-40B4-BE49-F238E27FC236}">
+                <a16:creationId xmlns:a16="http://schemas.microsoft.com/office/drawing/2014/main" id="{0D4236D7-6AF4-4B4F-BE09-797BC83F54FF}"/>
+              </a:ext>
+            </a:extLst>
+          </p:cNvPr>
+          <p:cNvPicPr>
+            <a:picLocks noChangeAspect="1"/>
+          </p:cNvPicPr>
+          <p:nvPr/>
+        </p:nvPicPr>
+        <p:blipFill>
+          <a:blip r:embed="rId5"/>
+          <a:stretch>
+            <a:fillRect/>
+          </a:stretch>
+        </p:blipFill>
+        <p:spPr>
+          <a:xfrm>
+            <a:off x="2265991" y="5109798"/>
+            <a:ext cx="2815947" cy="1399753"/>
+          </a:xfrm>
+          <a:prstGeom prst="rect">
+            <a:avLst/>
+          </a:prstGeom>
+        </p:spPr>
+      </p:pic>
+      <p:sp>
+        <p:nvSpPr>
+          <p:cNvPr id="32" name="TextBox 31">
+            <a:extLst>
+              <a:ext uri="{FF2B5EF4-FFF2-40B4-BE49-F238E27FC236}">
+                <a16:creationId xmlns:a16="http://schemas.microsoft.com/office/drawing/2014/main" id="{76DBE5C3-402B-4D1A-827E-F2A15B896103}"/>
+              </a:ext>
+            </a:extLst>
+          </p:cNvPr>
+          <p:cNvSpPr txBox="1"/>
+          <p:nvPr/>
+        </p:nvSpPr>
+        <p:spPr>
+          <a:xfrm>
+            <a:off x="6610224" y="5525644"/>
+            <a:ext cx="6277094" cy="461665"/>
+          </a:xfrm>
+          <a:prstGeom prst="rect">
+            <a:avLst/>
+          </a:prstGeom>
+          <a:noFill/>
+        </p:spPr>
+        <p:txBody>
+          <a:bodyPr wrap="square">
+            <a:spAutoFit/>
+          </a:bodyPr>
+          <a:lstStyle/>
           <a:p>
             <a:pPr>
               <a:defRPr sz="2400">
@@ -4230,12 +7702,865 @@
               </a:defRPr>
             </a:pPr>
             <a:r>
-              <a:t>• Выбор стеков обусловлен необходимостью 3D-визуализации, удобного UI и надёжной работы с БД.</a:t>
+              <a:rPr lang="ru-RU" sz="2400" dirty="0"/>
+              <a:t>Среда разработки</a:t>
+            </a:r>
+          </a:p>
+        </p:txBody>
+      </p:sp>
+      <p:sp>
+        <p:nvSpPr>
+          <p:cNvPr id="33" name="TextBox 32">
+            <a:extLst>
+              <a:ext uri="{FF2B5EF4-FFF2-40B4-BE49-F238E27FC236}">
+                <a16:creationId xmlns:a16="http://schemas.microsoft.com/office/drawing/2014/main" id="{C5DF23D7-2E96-4746-8D5A-5EF69A63B0AB}"/>
+              </a:ext>
+            </a:extLst>
+          </p:cNvPr>
+          <p:cNvSpPr txBox="1"/>
+          <p:nvPr/>
+        </p:nvSpPr>
+        <p:spPr>
+          <a:xfrm>
+            <a:off x="11904773" y="6527075"/>
+            <a:ext cx="301686" cy="369332"/>
+          </a:xfrm>
+          <a:prstGeom prst="rect">
+            <a:avLst/>
+          </a:prstGeom>
+          <a:noFill/>
+        </p:spPr>
+        <p:txBody>
+          <a:bodyPr wrap="none" rtlCol="0">
+            <a:spAutoFit/>
+          </a:bodyPr>
+          <a:lstStyle/>
+          <a:p>
+            <a:r>
+              <a:rPr lang="ru-RU" dirty="0"/>
+              <a:t>5</a:t>
             </a:r>
           </a:p>
         </p:txBody>
       </p:sp>
     </p:spTree>
+  </p:cSld>
+  <p:clrMapOvr>
+    <a:masterClrMapping/>
+  </p:clrMapOvr>
+</p:sld>
+</file>
+
+<file path=ppt/slides/slide6.xml><?xml version="1.0" encoding="utf-8"?>
+<p:sld xmlns:a="http://schemas.openxmlformats.org/drawingml/2006/main" xmlns:r="http://schemas.openxmlformats.org/officeDocument/2006/relationships" xmlns:p="http://schemas.openxmlformats.org/presentationml/2006/main">
+  <p:cSld>
+    <p:spTree>
+      <p:nvGrpSpPr>
+        <p:cNvPr id="1" name=""/>
+        <p:cNvGrpSpPr/>
+        <p:nvPr/>
+      </p:nvGrpSpPr>
+      <p:grpSpPr>
+        <a:xfrm>
+          <a:off x="0" y="0"/>
+          <a:ext cx="0" cy="0"/>
+          <a:chOff x="0" y="0"/>
+          <a:chExt cx="0" cy="0"/>
+        </a:xfrm>
+      </p:grpSpPr>
+      <p:sp>
+        <p:nvSpPr>
+          <p:cNvPr id="2" name="Rectangle 1"/>
+          <p:cNvSpPr/>
+          <p:nvPr/>
+        </p:nvSpPr>
+        <p:spPr>
+          <a:xfrm>
+            <a:off x="-127" y="0"/>
+            <a:ext cx="12188952" cy="6858000"/>
+          </a:xfrm>
+          <a:prstGeom prst="rect">
+            <a:avLst/>
+          </a:prstGeom>
+          <a:solidFill>
+            <a:srgbClr val="F2F2F2"/>
+          </a:solidFill>
+          <a:ln>
+            <a:noFill/>
+          </a:ln>
+        </p:spPr>
+        <p:style>
+          <a:lnRef idx="1">
+            <a:schemeClr val="accent1"/>
+          </a:lnRef>
+          <a:fillRef idx="3">
+            <a:schemeClr val="accent1"/>
+          </a:fillRef>
+          <a:effectRef idx="2">
+            <a:schemeClr val="accent1"/>
+          </a:effectRef>
+          <a:fontRef idx="minor">
+            <a:schemeClr val="lt1"/>
+          </a:fontRef>
+        </p:style>
+        <p:txBody>
+          <a:bodyPr rtlCol="0" anchor="ctr"/>
+          <a:lstStyle/>
+          <a:p>
+            <a:pPr algn="ctr"/>
+            <a:endParaRPr dirty="0"/>
+          </a:p>
+        </p:txBody>
+      </p:sp>
+      <p:sp>
+        <p:nvSpPr>
+          <p:cNvPr id="3" name="TextBox 2"/>
+          <p:cNvSpPr txBox="1"/>
+          <p:nvPr/>
+        </p:nvSpPr>
+        <p:spPr>
+          <a:xfrm>
+            <a:off x="4610513" y="72436"/>
+            <a:ext cx="2967800" cy="707886"/>
+          </a:xfrm>
+          <a:prstGeom prst="rect">
+            <a:avLst/>
+          </a:prstGeom>
+          <a:noFill/>
+        </p:spPr>
+        <p:txBody>
+          <a:bodyPr wrap="none">
+            <a:spAutoFit/>
+          </a:bodyPr>
+          <a:lstStyle/>
+          <a:p>
+            <a:pPr algn="ctr">
+              <a:defRPr sz="4000" b="1">
+                <a:solidFill>
+                  <a:srgbClr val="003366"/>
+                </a:solidFill>
+              </a:defRPr>
+            </a:pPr>
+            <a:r>
+              <a:rPr lang="ru-RU" dirty="0"/>
+              <a:t>Архитектура</a:t>
+            </a:r>
+            <a:endParaRPr dirty="0"/>
+          </a:p>
+        </p:txBody>
+      </p:sp>
+      <p:sp>
+        <p:nvSpPr>
+          <p:cNvPr id="4" name="TextBox 3"/>
+          <p:cNvSpPr txBox="1"/>
+          <p:nvPr/>
+        </p:nvSpPr>
+        <p:spPr>
+          <a:xfrm>
+            <a:off x="640080" y="1554480"/>
+            <a:ext cx="184731" cy="369332"/>
+          </a:xfrm>
+          <a:prstGeom prst="rect">
+            <a:avLst/>
+          </a:prstGeom>
+          <a:noFill/>
+        </p:spPr>
+        <p:txBody>
+          <a:bodyPr wrap="none">
+            <a:spAutoFit/>
+          </a:bodyPr>
+          <a:lstStyle/>
+          <a:p>
+            <a:endParaRPr dirty="0"/>
+          </a:p>
+        </p:txBody>
+      </p:sp>
+      <p:sp>
+        <p:nvSpPr>
+          <p:cNvPr id="33" name="TextBox 32">
+            <a:extLst>
+              <a:ext uri="{FF2B5EF4-FFF2-40B4-BE49-F238E27FC236}">
+                <a16:creationId xmlns:a16="http://schemas.microsoft.com/office/drawing/2014/main" id="{C5DF23D7-2E96-4746-8D5A-5EF69A63B0AB}"/>
+              </a:ext>
+            </a:extLst>
+          </p:cNvPr>
+          <p:cNvSpPr txBox="1"/>
+          <p:nvPr/>
+        </p:nvSpPr>
+        <p:spPr>
+          <a:xfrm>
+            <a:off x="11904773" y="6527075"/>
+            <a:ext cx="301686" cy="369332"/>
+          </a:xfrm>
+          <a:prstGeom prst="rect">
+            <a:avLst/>
+          </a:prstGeom>
+          <a:noFill/>
+        </p:spPr>
+        <p:txBody>
+          <a:bodyPr wrap="none" rtlCol="0">
+            <a:spAutoFit/>
+          </a:bodyPr>
+          <a:lstStyle/>
+          <a:p>
+            <a:r>
+              <a:rPr lang="ru-RU" dirty="0"/>
+              <a:t>6</a:t>
+            </a:r>
+          </a:p>
+        </p:txBody>
+      </p:sp>
+      <p:pic>
+        <p:nvPicPr>
+          <p:cNvPr id="6" name="Рисунок 5">
+            <a:extLst>
+              <a:ext uri="{FF2B5EF4-FFF2-40B4-BE49-F238E27FC236}">
+                <a16:creationId xmlns:a16="http://schemas.microsoft.com/office/drawing/2014/main" id="{5EA43682-5E7D-454F-B28D-094476BC1A77}"/>
+              </a:ext>
+            </a:extLst>
+          </p:cNvPr>
+          <p:cNvPicPr>
+            <a:picLocks noChangeAspect="1"/>
+          </p:cNvPicPr>
+          <p:nvPr/>
+        </p:nvPicPr>
+        <p:blipFill>
+          <a:blip r:embed="rId2"/>
+          <a:stretch>
+            <a:fillRect/>
+          </a:stretch>
+        </p:blipFill>
+        <p:spPr>
+          <a:xfrm>
+            <a:off x="1803590" y="1413129"/>
+            <a:ext cx="8889262" cy="4031742"/>
+          </a:xfrm>
+          <a:prstGeom prst="rect">
+            <a:avLst/>
+          </a:prstGeom>
+        </p:spPr>
+      </p:pic>
+    </p:spTree>
+    <p:extLst>
+      <p:ext uri="{BB962C8B-B14F-4D97-AF65-F5344CB8AC3E}">
+        <p14:creationId xmlns:p14="http://schemas.microsoft.com/office/powerpoint/2010/main" val="1348702608"/>
+      </p:ext>
+    </p:extLst>
+  </p:cSld>
+  <p:clrMapOvr>
+    <a:masterClrMapping/>
+  </p:clrMapOvr>
+</p:sld>
+</file>
+
+<file path=ppt/slides/slide7.xml><?xml version="1.0" encoding="utf-8"?>
+<p:sld xmlns:a="http://schemas.openxmlformats.org/drawingml/2006/main" xmlns:r="http://schemas.openxmlformats.org/officeDocument/2006/relationships" xmlns:p="http://schemas.openxmlformats.org/presentationml/2006/main">
+  <p:cSld>
+    <p:spTree>
+      <p:nvGrpSpPr>
+        <p:cNvPr id="1" name=""/>
+        <p:cNvGrpSpPr/>
+        <p:nvPr/>
+      </p:nvGrpSpPr>
+      <p:grpSpPr>
+        <a:xfrm>
+          <a:off x="0" y="0"/>
+          <a:ext cx="0" cy="0"/>
+          <a:chOff x="0" y="0"/>
+          <a:chExt cx="0" cy="0"/>
+        </a:xfrm>
+      </p:grpSpPr>
+      <p:sp>
+        <p:nvSpPr>
+          <p:cNvPr id="2" name="Rectangle 1"/>
+          <p:cNvSpPr/>
+          <p:nvPr/>
+        </p:nvSpPr>
+        <p:spPr>
+          <a:xfrm>
+            <a:off x="-23435" y="0"/>
+            <a:ext cx="12188952" cy="6858000"/>
+          </a:xfrm>
+          <a:prstGeom prst="rect">
+            <a:avLst/>
+          </a:prstGeom>
+          <a:solidFill>
+            <a:srgbClr val="F2F2F2"/>
+          </a:solidFill>
+          <a:ln>
+            <a:noFill/>
+          </a:ln>
+        </p:spPr>
+        <p:style>
+          <a:lnRef idx="1">
+            <a:schemeClr val="accent1"/>
+          </a:lnRef>
+          <a:fillRef idx="3">
+            <a:schemeClr val="accent1"/>
+          </a:fillRef>
+          <a:effectRef idx="2">
+            <a:schemeClr val="accent1"/>
+          </a:effectRef>
+          <a:fontRef idx="minor">
+            <a:schemeClr val="lt1"/>
+          </a:fontRef>
+        </p:style>
+        <p:txBody>
+          <a:bodyPr rtlCol="0" anchor="ctr"/>
+          <a:lstStyle/>
+          <a:p>
+            <a:pPr algn="ctr"/>
+            <a:endParaRPr dirty="0"/>
+          </a:p>
+        </p:txBody>
+      </p:sp>
+      <p:sp>
+        <p:nvSpPr>
+          <p:cNvPr id="3" name="TextBox 2"/>
+          <p:cNvSpPr txBox="1"/>
+          <p:nvPr/>
+        </p:nvSpPr>
+        <p:spPr>
+          <a:xfrm>
+            <a:off x="3368572" y="72436"/>
+            <a:ext cx="5451685" cy="707886"/>
+          </a:xfrm>
+          <a:prstGeom prst="rect">
+            <a:avLst/>
+          </a:prstGeom>
+          <a:noFill/>
+        </p:spPr>
+        <p:txBody>
+          <a:bodyPr wrap="none">
+            <a:spAutoFit/>
+          </a:bodyPr>
+          <a:lstStyle/>
+          <a:p>
+            <a:pPr algn="ctr">
+              <a:defRPr sz="4000" b="1">
+                <a:solidFill>
+                  <a:srgbClr val="003366"/>
+                </a:solidFill>
+              </a:defRPr>
+            </a:pPr>
+            <a:r>
+              <a:rPr lang="ru-RU" dirty="0"/>
+              <a:t>Структура базы данных</a:t>
+            </a:r>
+            <a:endParaRPr dirty="0"/>
+          </a:p>
+        </p:txBody>
+      </p:sp>
+      <p:sp>
+        <p:nvSpPr>
+          <p:cNvPr id="4" name="TextBox 3"/>
+          <p:cNvSpPr txBox="1"/>
+          <p:nvPr/>
+        </p:nvSpPr>
+        <p:spPr>
+          <a:xfrm>
+            <a:off x="640080" y="1554480"/>
+            <a:ext cx="184731" cy="369332"/>
+          </a:xfrm>
+          <a:prstGeom prst="rect">
+            <a:avLst/>
+          </a:prstGeom>
+          <a:noFill/>
+        </p:spPr>
+        <p:txBody>
+          <a:bodyPr wrap="none">
+            <a:spAutoFit/>
+          </a:bodyPr>
+          <a:lstStyle/>
+          <a:p>
+            <a:endParaRPr dirty="0"/>
+          </a:p>
+        </p:txBody>
+      </p:sp>
+      <p:sp>
+        <p:nvSpPr>
+          <p:cNvPr id="33" name="TextBox 32">
+            <a:extLst>
+              <a:ext uri="{FF2B5EF4-FFF2-40B4-BE49-F238E27FC236}">
+                <a16:creationId xmlns:a16="http://schemas.microsoft.com/office/drawing/2014/main" id="{C5DF23D7-2E96-4746-8D5A-5EF69A63B0AB}"/>
+              </a:ext>
+            </a:extLst>
+          </p:cNvPr>
+          <p:cNvSpPr txBox="1"/>
+          <p:nvPr/>
+        </p:nvSpPr>
+        <p:spPr>
+          <a:xfrm>
+            <a:off x="11904773" y="6527075"/>
+            <a:ext cx="301686" cy="369332"/>
+          </a:xfrm>
+          <a:prstGeom prst="rect">
+            <a:avLst/>
+          </a:prstGeom>
+          <a:noFill/>
+        </p:spPr>
+        <p:txBody>
+          <a:bodyPr wrap="none" rtlCol="0">
+            <a:spAutoFit/>
+          </a:bodyPr>
+          <a:lstStyle/>
+          <a:p>
+            <a:r>
+              <a:rPr lang="ru-RU" dirty="0"/>
+              <a:t>7</a:t>
+            </a:r>
+          </a:p>
+        </p:txBody>
+      </p:sp>
+      <p:pic>
+        <p:nvPicPr>
+          <p:cNvPr id="7" name="Рисунок 6">
+            <a:extLst>
+              <a:ext uri="{FF2B5EF4-FFF2-40B4-BE49-F238E27FC236}">
+                <a16:creationId xmlns:a16="http://schemas.microsoft.com/office/drawing/2014/main" id="{25486C7E-B2F1-4867-BF88-76846E2FF61F}"/>
+              </a:ext>
+            </a:extLst>
+          </p:cNvPr>
+          <p:cNvPicPr/>
+          <p:nvPr/>
+        </p:nvPicPr>
+        <p:blipFill>
+          <a:blip r:embed="rId2">
+            <a:extLst>
+              <a:ext uri="{28A0092B-C50C-407E-A947-70E740481C1C}">
+                <a14:useLocalDpi xmlns:a14="http://schemas.microsoft.com/office/drawing/2010/main" val="0"/>
+              </a:ext>
+            </a:extLst>
+          </a:blip>
+          <a:srcRect/>
+          <a:stretch>
+            <a:fillRect/>
+          </a:stretch>
+        </p:blipFill>
+        <p:spPr bwMode="auto">
+          <a:xfrm>
+            <a:off x="1152648" y="938166"/>
+            <a:ext cx="9836785" cy="5761990"/>
+          </a:xfrm>
+          <a:prstGeom prst="rect">
+            <a:avLst/>
+          </a:prstGeom>
+          <a:noFill/>
+          <a:ln>
+            <a:noFill/>
+          </a:ln>
+        </p:spPr>
+      </p:pic>
+    </p:spTree>
+    <p:extLst>
+      <p:ext uri="{BB962C8B-B14F-4D97-AF65-F5344CB8AC3E}">
+        <p14:creationId xmlns:p14="http://schemas.microsoft.com/office/powerpoint/2010/main" val="3131773791"/>
+      </p:ext>
+    </p:extLst>
+  </p:cSld>
+  <p:clrMapOvr>
+    <a:masterClrMapping/>
+  </p:clrMapOvr>
+</p:sld>
+</file>
+
+<file path=ppt/slides/slide8.xml><?xml version="1.0" encoding="utf-8"?>
+<p:sld xmlns:a="http://schemas.openxmlformats.org/drawingml/2006/main" xmlns:r="http://schemas.openxmlformats.org/officeDocument/2006/relationships" xmlns:p="http://schemas.openxmlformats.org/presentationml/2006/main">
+  <p:cSld>
+    <p:spTree>
+      <p:nvGrpSpPr>
+        <p:cNvPr id="1" name=""/>
+        <p:cNvGrpSpPr/>
+        <p:nvPr/>
+      </p:nvGrpSpPr>
+      <p:grpSpPr>
+        <a:xfrm>
+          <a:off x="0" y="0"/>
+          <a:ext cx="0" cy="0"/>
+          <a:chOff x="0" y="0"/>
+          <a:chExt cx="0" cy="0"/>
+        </a:xfrm>
+      </p:grpSpPr>
+      <p:sp>
+        <p:nvSpPr>
+          <p:cNvPr id="2" name="Rectangle 1"/>
+          <p:cNvSpPr/>
+          <p:nvPr/>
+        </p:nvSpPr>
+        <p:spPr>
+          <a:xfrm>
+            <a:off x="-23435" y="0"/>
+            <a:ext cx="12188952" cy="6858000"/>
+          </a:xfrm>
+          <a:prstGeom prst="rect">
+            <a:avLst/>
+          </a:prstGeom>
+          <a:solidFill>
+            <a:srgbClr val="F2F2F2"/>
+          </a:solidFill>
+          <a:ln>
+            <a:noFill/>
+          </a:ln>
+        </p:spPr>
+        <p:style>
+          <a:lnRef idx="1">
+            <a:schemeClr val="accent1"/>
+          </a:lnRef>
+          <a:fillRef idx="3">
+            <a:schemeClr val="accent1"/>
+          </a:fillRef>
+          <a:effectRef idx="2">
+            <a:schemeClr val="accent1"/>
+          </a:effectRef>
+          <a:fontRef idx="minor">
+            <a:schemeClr val="lt1"/>
+          </a:fontRef>
+        </p:style>
+        <p:txBody>
+          <a:bodyPr rtlCol="0" anchor="ctr"/>
+          <a:lstStyle/>
+          <a:p>
+            <a:pPr algn="ctr"/>
+            <a:endParaRPr dirty="0"/>
+          </a:p>
+        </p:txBody>
+      </p:sp>
+      <p:sp>
+        <p:nvSpPr>
+          <p:cNvPr id="3" name="TextBox 2"/>
+          <p:cNvSpPr txBox="1"/>
+          <p:nvPr/>
+        </p:nvSpPr>
+        <p:spPr>
+          <a:xfrm>
+            <a:off x="3368572" y="72436"/>
+            <a:ext cx="5451685" cy="707886"/>
+          </a:xfrm>
+          <a:prstGeom prst="rect">
+            <a:avLst/>
+          </a:prstGeom>
+          <a:noFill/>
+        </p:spPr>
+        <p:txBody>
+          <a:bodyPr wrap="none">
+            <a:spAutoFit/>
+          </a:bodyPr>
+          <a:lstStyle/>
+          <a:p>
+            <a:pPr algn="ctr">
+              <a:defRPr sz="4000" b="1">
+                <a:solidFill>
+                  <a:srgbClr val="003366"/>
+                </a:solidFill>
+              </a:defRPr>
+            </a:pPr>
+            <a:r>
+              <a:rPr lang="ru-RU" dirty="0"/>
+              <a:t>Структура базы данных</a:t>
+            </a:r>
+            <a:endParaRPr dirty="0"/>
+          </a:p>
+        </p:txBody>
+      </p:sp>
+      <p:sp>
+        <p:nvSpPr>
+          <p:cNvPr id="4" name="TextBox 3"/>
+          <p:cNvSpPr txBox="1"/>
+          <p:nvPr/>
+        </p:nvSpPr>
+        <p:spPr>
+          <a:xfrm>
+            <a:off x="640080" y="1554480"/>
+            <a:ext cx="184731" cy="369332"/>
+          </a:xfrm>
+          <a:prstGeom prst="rect">
+            <a:avLst/>
+          </a:prstGeom>
+          <a:noFill/>
+        </p:spPr>
+        <p:txBody>
+          <a:bodyPr wrap="none">
+            <a:spAutoFit/>
+          </a:bodyPr>
+          <a:lstStyle/>
+          <a:p>
+            <a:endParaRPr dirty="0"/>
+          </a:p>
+        </p:txBody>
+      </p:sp>
+      <p:sp>
+        <p:nvSpPr>
+          <p:cNvPr id="33" name="TextBox 32">
+            <a:extLst>
+              <a:ext uri="{FF2B5EF4-FFF2-40B4-BE49-F238E27FC236}">
+                <a16:creationId xmlns:a16="http://schemas.microsoft.com/office/drawing/2014/main" id="{C5DF23D7-2E96-4746-8D5A-5EF69A63B0AB}"/>
+              </a:ext>
+            </a:extLst>
+          </p:cNvPr>
+          <p:cNvSpPr txBox="1"/>
+          <p:nvPr/>
+        </p:nvSpPr>
+        <p:spPr>
+          <a:xfrm>
+            <a:off x="11904773" y="6527075"/>
+            <a:ext cx="301686" cy="369332"/>
+          </a:xfrm>
+          <a:prstGeom prst="rect">
+            <a:avLst/>
+          </a:prstGeom>
+          <a:noFill/>
+        </p:spPr>
+        <p:txBody>
+          <a:bodyPr wrap="none" rtlCol="0">
+            <a:spAutoFit/>
+          </a:bodyPr>
+          <a:lstStyle/>
+          <a:p>
+            <a:r>
+              <a:rPr lang="ru-RU" dirty="0"/>
+              <a:t>8</a:t>
+            </a:r>
+          </a:p>
+        </p:txBody>
+      </p:sp>
+      <p:pic>
+        <p:nvPicPr>
+          <p:cNvPr id="6" name="Рисунок 5">
+            <a:extLst>
+              <a:ext uri="{FF2B5EF4-FFF2-40B4-BE49-F238E27FC236}">
+                <a16:creationId xmlns:a16="http://schemas.microsoft.com/office/drawing/2014/main" id="{A22B71B8-FFC5-4014-95A8-2297322EB669}"/>
+              </a:ext>
+            </a:extLst>
+          </p:cNvPr>
+          <p:cNvPicPr>
+            <a:picLocks noChangeAspect="1"/>
+          </p:cNvPicPr>
+          <p:nvPr/>
+        </p:nvPicPr>
+        <p:blipFill>
+          <a:blip r:embed="rId2"/>
+          <a:stretch>
+            <a:fillRect/>
+          </a:stretch>
+        </p:blipFill>
+        <p:spPr>
+          <a:xfrm>
+            <a:off x="2788024" y="780322"/>
+            <a:ext cx="6642847" cy="5920703"/>
+          </a:xfrm>
+          <a:prstGeom prst="rect">
+            <a:avLst/>
+          </a:prstGeom>
+        </p:spPr>
+      </p:pic>
+    </p:spTree>
+    <p:extLst>
+      <p:ext uri="{BB962C8B-B14F-4D97-AF65-F5344CB8AC3E}">
+        <p14:creationId xmlns:p14="http://schemas.microsoft.com/office/powerpoint/2010/main" val="4044218622"/>
+      </p:ext>
+    </p:extLst>
+  </p:cSld>
+  <p:clrMapOvr>
+    <a:masterClrMapping/>
+  </p:clrMapOvr>
+</p:sld>
+</file>
+
+<file path=ppt/slides/slide9.xml><?xml version="1.0" encoding="utf-8"?>
+<p:sld xmlns:a="http://schemas.openxmlformats.org/drawingml/2006/main" xmlns:r="http://schemas.openxmlformats.org/officeDocument/2006/relationships" xmlns:p="http://schemas.openxmlformats.org/presentationml/2006/main">
+  <p:cSld>
+    <p:spTree>
+      <p:nvGrpSpPr>
+        <p:cNvPr id="1" name=""/>
+        <p:cNvGrpSpPr/>
+        <p:nvPr/>
+      </p:nvGrpSpPr>
+      <p:grpSpPr>
+        <a:xfrm>
+          <a:off x="0" y="0"/>
+          <a:ext cx="0" cy="0"/>
+          <a:chOff x="0" y="0"/>
+          <a:chExt cx="0" cy="0"/>
+        </a:xfrm>
+      </p:grpSpPr>
+      <p:sp>
+        <p:nvSpPr>
+          <p:cNvPr id="2" name="Rectangle 1"/>
+          <p:cNvSpPr/>
+          <p:nvPr/>
+        </p:nvSpPr>
+        <p:spPr>
+          <a:xfrm>
+            <a:off x="-23435" y="0"/>
+            <a:ext cx="12188952" cy="6858000"/>
+          </a:xfrm>
+          <a:prstGeom prst="rect">
+            <a:avLst/>
+          </a:prstGeom>
+          <a:solidFill>
+            <a:srgbClr val="F2F2F2"/>
+          </a:solidFill>
+          <a:ln>
+            <a:noFill/>
+          </a:ln>
+        </p:spPr>
+        <p:style>
+          <a:lnRef idx="1">
+            <a:schemeClr val="accent1"/>
+          </a:lnRef>
+          <a:fillRef idx="3">
+            <a:schemeClr val="accent1"/>
+          </a:fillRef>
+          <a:effectRef idx="2">
+            <a:schemeClr val="accent1"/>
+          </a:effectRef>
+          <a:fontRef idx="minor">
+            <a:schemeClr val="lt1"/>
+          </a:fontRef>
+        </p:style>
+        <p:txBody>
+          <a:bodyPr rtlCol="0" anchor="ctr"/>
+          <a:lstStyle/>
+          <a:p>
+            <a:pPr algn="ctr"/>
+            <a:endParaRPr dirty="0"/>
+          </a:p>
+        </p:txBody>
+      </p:sp>
+      <p:sp>
+        <p:nvSpPr>
+          <p:cNvPr id="3" name="TextBox 2"/>
+          <p:cNvSpPr txBox="1"/>
+          <p:nvPr/>
+        </p:nvSpPr>
+        <p:spPr>
+          <a:xfrm>
+            <a:off x="4481668" y="72436"/>
+            <a:ext cx="3225499" cy="707886"/>
+          </a:xfrm>
+          <a:prstGeom prst="rect">
+            <a:avLst/>
+          </a:prstGeom>
+          <a:noFill/>
+        </p:spPr>
+        <p:txBody>
+          <a:bodyPr wrap="none">
+            <a:spAutoFit/>
+          </a:bodyPr>
+          <a:lstStyle/>
+          <a:p>
+            <a:pPr algn="ctr">
+              <a:defRPr sz="4000" b="1">
+                <a:solidFill>
+                  <a:srgbClr val="003366"/>
+                </a:solidFill>
+              </a:defRPr>
+            </a:pPr>
+            <a:r>
+              <a:rPr lang="ru-RU" dirty="0"/>
+              <a:t>Дерево форм</a:t>
+            </a:r>
+            <a:endParaRPr dirty="0"/>
+          </a:p>
+        </p:txBody>
+      </p:sp>
+      <p:sp>
+        <p:nvSpPr>
+          <p:cNvPr id="4" name="TextBox 3"/>
+          <p:cNvSpPr txBox="1"/>
+          <p:nvPr/>
+        </p:nvSpPr>
+        <p:spPr>
+          <a:xfrm>
+            <a:off x="640080" y="1554480"/>
+            <a:ext cx="184731" cy="369332"/>
+          </a:xfrm>
+          <a:prstGeom prst="rect">
+            <a:avLst/>
+          </a:prstGeom>
+          <a:noFill/>
+        </p:spPr>
+        <p:txBody>
+          <a:bodyPr wrap="none">
+            <a:spAutoFit/>
+          </a:bodyPr>
+          <a:lstStyle/>
+          <a:p>
+            <a:endParaRPr dirty="0"/>
+          </a:p>
+        </p:txBody>
+      </p:sp>
+      <p:sp>
+        <p:nvSpPr>
+          <p:cNvPr id="33" name="TextBox 32">
+            <a:extLst>
+              <a:ext uri="{FF2B5EF4-FFF2-40B4-BE49-F238E27FC236}">
+                <a16:creationId xmlns:a16="http://schemas.microsoft.com/office/drawing/2014/main" id="{C5DF23D7-2E96-4746-8D5A-5EF69A63B0AB}"/>
+              </a:ext>
+            </a:extLst>
+          </p:cNvPr>
+          <p:cNvSpPr txBox="1"/>
+          <p:nvPr/>
+        </p:nvSpPr>
+        <p:spPr>
+          <a:xfrm>
+            <a:off x="11904773" y="6527075"/>
+            <a:ext cx="301686" cy="369332"/>
+          </a:xfrm>
+          <a:prstGeom prst="rect">
+            <a:avLst/>
+          </a:prstGeom>
+          <a:noFill/>
+        </p:spPr>
+        <p:txBody>
+          <a:bodyPr wrap="none" rtlCol="0">
+            <a:spAutoFit/>
+          </a:bodyPr>
+          <a:lstStyle/>
+          <a:p>
+            <a:r>
+              <a:rPr lang="ru-RU" dirty="0"/>
+              <a:t>9</a:t>
+            </a:r>
+          </a:p>
+        </p:txBody>
+      </p:sp>
+      <p:pic>
+        <p:nvPicPr>
+          <p:cNvPr id="7" name="Рисунок 6">
+            <a:extLst>
+              <a:ext uri="{FF2B5EF4-FFF2-40B4-BE49-F238E27FC236}">
+                <a16:creationId xmlns:a16="http://schemas.microsoft.com/office/drawing/2014/main" id="{1E088CFD-2AA3-4695-A90A-E07841559B38}"/>
+              </a:ext>
+            </a:extLst>
+          </p:cNvPr>
+          <p:cNvPicPr>
+            <a:picLocks noChangeAspect="1"/>
+          </p:cNvPicPr>
+          <p:nvPr/>
+        </p:nvPicPr>
+        <p:blipFill>
+          <a:blip r:embed="rId2"/>
+          <a:stretch>
+            <a:fillRect/>
+          </a:stretch>
+        </p:blipFill>
+        <p:spPr>
+          <a:xfrm>
+            <a:off x="2751137" y="1895475"/>
+            <a:ext cx="6686550" cy="3067050"/>
+          </a:xfrm>
+          <a:prstGeom prst="rect">
+            <a:avLst/>
+          </a:prstGeom>
+        </p:spPr>
+      </p:pic>
+    </p:spTree>
+    <p:extLst>
+      <p:ext uri="{BB962C8B-B14F-4D97-AF65-F5344CB8AC3E}">
+        <p14:creationId xmlns:p14="http://schemas.microsoft.com/office/powerpoint/2010/main" val="112246818"/>
+      </p:ext>
+    </p:extLst>
   </p:cSld>
   <p:clrMapOvr>
     <a:masterClrMapping/>
